--- a/01.設計/卒ARu_セキュリティについて.pptx
+++ b/01.設計/卒ARu_セキュリティについて.pptx
@@ -111,7 +111,7 @@
   </p:defaultTextStyle>
   <p:extLst>
     <p:ext uri="{EFAFB233-063F-42B5-8137-9DF3F51BA10A}">
-      <p15:sldGuideLst xmlns="" xmlns:p15="http://schemas.microsoft.com/office/powerpoint/2012/main">
+      <p15:sldGuideLst xmlns:p15="http://schemas.microsoft.com/office/powerpoint/2012/main">
         <p15:guide id="1" orient="horz" pos="618" userDrawn="1">
           <p15:clr>
             <a:srgbClr val="A4A3A4"/>
@@ -210,7 +210,7 @@
           <a:p>
             <a:fld id="{48202444-3DC1-4369-B2A8-A46D63EF03AF}" type="datetimeFigureOut">
               <a:rPr kumimoji="1" lang="ja-JP" altLang="en-US" smtClean="0"/>
-              <a:t>20/09/14</a:t>
+              <a:t>2020/10/27</a:t>
             </a:fld>
             <a:endParaRPr kumimoji="1" lang="ja-JP" altLang="en-US" dirty="0"/>
           </a:p>
@@ -1272,7 +1272,7 @@
           <p:cNvPr id="39" name="テキスト ボックス 38">
             <a:extLst>
               <a:ext uri="{FF2B5EF4-FFF2-40B4-BE49-F238E27FC236}">
-                <a16:creationId xmlns="" xmlns:a16="http://schemas.microsoft.com/office/drawing/2014/main" id="{09B1180D-AEEF-4A49-9AD0-F593D895B80A}"/>
+                <a16:creationId xmlns:a16="http://schemas.microsoft.com/office/drawing/2014/main" id="{09B1180D-AEEF-4A49-9AD0-F593D895B80A}"/>
               </a:ext>
             </a:extLst>
           </p:cNvPr>
@@ -1767,7 +1767,7 @@
           <p:cNvPr id="2" name="タイトル 1">
             <a:extLst>
               <a:ext uri="{FF2B5EF4-FFF2-40B4-BE49-F238E27FC236}">
-                <a16:creationId xmlns="" xmlns:a16="http://schemas.microsoft.com/office/drawing/2014/main" id="{61F8033C-016D-4F81-9A9E-15F1287F4AAD}"/>
+                <a16:creationId xmlns:a16="http://schemas.microsoft.com/office/drawing/2014/main" id="{61F8033C-016D-4F81-9A9E-15F1287F4AAD}"/>
               </a:ext>
             </a:extLst>
           </p:cNvPr>
@@ -1791,29 +1791,34 @@
           <a:lstStyle/>
           <a:p>
             <a:r>
-              <a:rPr kumimoji="1" lang="ja-JP" altLang="en-US" sz="4400" dirty="0"/>
+              <a:rPr kumimoji="1" lang="ja-JP" altLang="en-US" sz="4400" dirty="0">
+                <a:latin typeface="+mj-ea"/>
+              </a:rPr>
               <a:t>卒</a:t>
             </a:r>
             <a:r>
-              <a:rPr kumimoji="1" lang="en-US" altLang="ja-JP" sz="4400" dirty="0"/>
+              <a:rPr kumimoji="1" lang="en-US" altLang="ja-JP" sz="4400" dirty="0">
+                <a:latin typeface="+mj-ea"/>
+              </a:rPr>
               <a:t>ARu </a:t>
             </a:r>
             <a:r>
-              <a:rPr kumimoji="1" lang="ja-JP" altLang="en-US" sz="4400" dirty="0" smtClean="0"/>
+              <a:rPr kumimoji="1" lang="ja-JP" altLang="en-US" sz="4400" dirty="0">
+                <a:latin typeface="+mj-ea"/>
+              </a:rPr>
               <a:t>説明資料</a:t>
             </a:r>
-            <a:r>
-              <a:rPr kumimoji="1" lang="en-US" altLang="ja-JP" dirty="0" smtClean="0"/>
-              <a:t/>
-            </a:r>
             <a:br>
-              <a:rPr kumimoji="1" lang="en-US" altLang="ja-JP" dirty="0" smtClean="0"/>
+              <a:rPr kumimoji="1" lang="en-US" altLang="ja-JP" dirty="0">
+                <a:latin typeface="+mj-ea"/>
+              </a:rPr>
             </a:br>
             <a:r>
-              <a:rPr kumimoji="1" lang="ja-JP" altLang="en-US" dirty="0" smtClean="0"/>
+              <a:rPr kumimoji="1" lang="ja-JP" altLang="en-US" dirty="0">
+                <a:latin typeface="+mj-ea"/>
+              </a:rPr>
               <a:t>セキュリティについて</a:t>
             </a:r>
-            <a:endParaRPr kumimoji="1" lang="ja-JP" altLang="en-US" dirty="0"/>
           </a:p>
         </p:txBody>
       </p:sp>
@@ -1822,7 +1827,7 @@
           <p:cNvPr id="3" name="字幕 2">
             <a:extLst>
               <a:ext uri="{FF2B5EF4-FFF2-40B4-BE49-F238E27FC236}">
-                <a16:creationId xmlns="" xmlns:a16="http://schemas.microsoft.com/office/drawing/2014/main" id="{48A09C83-F953-482E-B407-F9654BABDE26}"/>
+                <a16:creationId xmlns:a16="http://schemas.microsoft.com/office/drawing/2014/main" id="{48A09C83-F953-482E-B407-F9654BABDE26}"/>
               </a:ext>
             </a:extLst>
           </p:cNvPr>
@@ -1845,14 +1850,16 @@
           <a:p>
             <a:pPr algn="ctr"/>
             <a:r>
-              <a:rPr kumimoji="1" lang="en-US" altLang="ja-JP" dirty="0"/>
-              <a:t>Ver1.01   Date </a:t>
-            </a:r>
-            <a:r>
-              <a:rPr kumimoji="1" lang="en-US" altLang="ja-JP" dirty="0" smtClean="0"/>
-              <a:t>2020/09/09</a:t>
-            </a:r>
-            <a:endParaRPr lang="en-US" altLang="ja-JP" dirty="0"/>
+              <a:rPr kumimoji="1" lang="en-US" altLang="ja-JP" dirty="0">
+                <a:latin typeface="+mj-ea"/>
+                <a:ea typeface="+mj-ea"/>
+              </a:rPr>
+              <a:t>Ver1.01   Date 2020/09/09</a:t>
+            </a:r>
+            <a:endParaRPr lang="en-US" altLang="ja-JP" dirty="0">
+              <a:latin typeface="+mj-ea"/>
+              <a:ea typeface="+mj-ea"/>
+            </a:endParaRPr>
           </a:p>
         </p:txBody>
       </p:sp>
@@ -1861,7 +1868,7 @@
           <p:cNvPr id="4" name="テキスト ボックス 3">
             <a:extLst>
               <a:ext uri="{FF2B5EF4-FFF2-40B4-BE49-F238E27FC236}">
-                <a16:creationId xmlns="" xmlns:a16="http://schemas.microsoft.com/office/drawing/2014/main" id="{D4FFB8BF-38EA-436C-B314-96090A34F757}"/>
+                <a16:creationId xmlns:a16="http://schemas.microsoft.com/office/drawing/2014/main" id="{D4FFB8BF-38EA-436C-B314-96090A34F757}"/>
               </a:ext>
             </a:extLst>
           </p:cNvPr>
@@ -1885,14 +1892,23 @@
           <a:lstStyle/>
           <a:p>
             <a:r>
-              <a:rPr kumimoji="1" lang="ja-JP" altLang="en-US" sz="2800" dirty="0"/>
+              <a:rPr kumimoji="1" lang="ja-JP" altLang="en-US" sz="2800" dirty="0">
+                <a:latin typeface="+mj-ea"/>
+                <a:ea typeface="+mj-ea"/>
+              </a:rPr>
               <a:t>株式会社 </a:t>
             </a:r>
             <a:r>
-              <a:rPr kumimoji="1" lang="en-US" altLang="ja-JP" sz="2800" dirty="0"/>
+              <a:rPr kumimoji="1" lang="en-US" altLang="ja-JP" sz="2800" dirty="0">
+                <a:latin typeface="+mj-ea"/>
+                <a:ea typeface="+mj-ea"/>
+              </a:rPr>
               <a:t>Ms</a:t>
             </a:r>
-            <a:endParaRPr kumimoji="1" lang="ja-JP" altLang="en-US" sz="2800" dirty="0"/>
+            <a:endParaRPr kumimoji="1" lang="ja-JP" altLang="en-US" sz="2800" dirty="0">
+              <a:latin typeface="+mj-ea"/>
+              <a:ea typeface="+mj-ea"/>
+            </a:endParaRPr>
           </a:p>
         </p:txBody>
       </p:sp>
@@ -1931,7 +1947,7 @@
           <p:cNvPr id="2" name="タイトル 1">
             <a:extLst>
               <a:ext uri="{FF2B5EF4-FFF2-40B4-BE49-F238E27FC236}">
-                <a16:creationId xmlns="" xmlns:a16="http://schemas.microsoft.com/office/drawing/2014/main" id="{12731FC3-AB29-492B-AE6D-8CB0EBD6035D}"/>
+                <a16:creationId xmlns:a16="http://schemas.microsoft.com/office/drawing/2014/main" id="{12731FC3-AB29-492B-AE6D-8CB0EBD6035D}"/>
               </a:ext>
             </a:extLst>
           </p:cNvPr>
@@ -1948,7 +1964,10 @@
           <a:lstStyle/>
           <a:p>
             <a:r>
-              <a:rPr kumimoji="1" lang="ja-JP" altLang="en-US" dirty="0"/>
+              <a:rPr kumimoji="1" lang="ja-JP" altLang="en-US" dirty="0">
+                <a:latin typeface="+mn-ea"/>
+                <a:ea typeface="+mn-ea"/>
+              </a:rPr>
               <a:t>改訂履歴</a:t>
             </a:r>
           </a:p>
@@ -1959,7 +1978,7 @@
           <p:cNvPr id="4" name="スライド番号プレースホルダー 3">
             <a:extLst>
               <a:ext uri="{FF2B5EF4-FFF2-40B4-BE49-F238E27FC236}">
-                <a16:creationId xmlns="" xmlns:a16="http://schemas.microsoft.com/office/drawing/2014/main" id="{5A8CD54E-7EDD-451D-9C7A-85E4A20CEBF0}"/>
+                <a16:creationId xmlns:a16="http://schemas.microsoft.com/office/drawing/2014/main" id="{5A8CD54E-7EDD-451D-9C7A-85E4A20CEBF0}"/>
               </a:ext>
             </a:extLst>
           </p:cNvPr>
@@ -1976,11 +1995,15 @@
           <a:lstStyle/>
           <a:p>
             <a:fld id="{FC7FC04C-4975-46EC-A609-F7DE0D5B1B51}" type="slidenum">
-              <a:rPr kumimoji="1" lang="ja-JP" altLang="en-US" smtClean="0"/>
+              <a:rPr kumimoji="1" lang="ja-JP" altLang="en-US" smtClean="0">
+                <a:latin typeface="+mn-ea"/>
+              </a:rPr>
               <a:pPr/>
               <a:t>2</a:t>
             </a:fld>
-            <a:endParaRPr kumimoji="1" lang="ja-JP" altLang="en-US" dirty="0"/>
+            <a:endParaRPr kumimoji="1" lang="ja-JP" altLang="en-US" dirty="0">
+              <a:latin typeface="+mn-ea"/>
+            </a:endParaRPr>
           </a:p>
         </p:txBody>
       </p:sp>
@@ -1989,7 +2012,7 @@
           <p:cNvPr id="5" name="表 4">
             <a:extLst>
               <a:ext uri="{FF2B5EF4-FFF2-40B4-BE49-F238E27FC236}">
-                <a16:creationId xmlns="" xmlns:a16="http://schemas.microsoft.com/office/drawing/2014/main" id="{9CC6374B-4142-4113-B041-850E8ED0401A}"/>
+                <a16:creationId xmlns:a16="http://schemas.microsoft.com/office/drawing/2014/main" id="{9CC6374B-4142-4113-B041-850E8ED0401A}"/>
               </a:ext>
             </a:extLst>
           </p:cNvPr>
@@ -2018,28 +2041,28 @@
                 <a:gridCol w="654640">
                   <a:extLst>
                     <a:ext uri="{9D8B030D-6E8A-4147-A177-3AD203B41FA5}">
-                      <a16:colId xmlns="" xmlns:a16="http://schemas.microsoft.com/office/drawing/2014/main" val="1645166067"/>
+                      <a16:colId xmlns:a16="http://schemas.microsoft.com/office/drawing/2014/main" val="1645166067"/>
                     </a:ext>
                   </a:extLst>
                 </a:gridCol>
                 <a:gridCol w="1451728">
                   <a:extLst>
                     <a:ext uri="{9D8B030D-6E8A-4147-A177-3AD203B41FA5}">
-                      <a16:colId xmlns="" xmlns:a16="http://schemas.microsoft.com/office/drawing/2014/main" val="1224812834"/>
+                      <a16:colId xmlns:a16="http://schemas.microsoft.com/office/drawing/2014/main" val="1224812834"/>
                     </a:ext>
                   </a:extLst>
                 </a:gridCol>
                 <a:gridCol w="1366887">
                   <a:extLst>
                     <a:ext uri="{9D8B030D-6E8A-4147-A177-3AD203B41FA5}">
-                      <a16:colId xmlns="" xmlns:a16="http://schemas.microsoft.com/office/drawing/2014/main" val="773108700"/>
+                      <a16:colId xmlns:a16="http://schemas.microsoft.com/office/drawing/2014/main" val="773108700"/>
                     </a:ext>
                   </a:extLst>
                 </a:gridCol>
                 <a:gridCol w="7145516">
                   <a:extLst>
                     <a:ext uri="{9D8B030D-6E8A-4147-A177-3AD203B41FA5}">
-                      <a16:colId xmlns="" xmlns:a16="http://schemas.microsoft.com/office/drawing/2014/main" val="1915496336"/>
+                      <a16:colId xmlns:a16="http://schemas.microsoft.com/office/drawing/2014/main" val="1915496336"/>
                     </a:ext>
                   </a:extLst>
                 </a:gridCol>
@@ -2099,7 +2122,7 @@
                 </a:tc>
                 <a:extLst>
                   <a:ext uri="{0D108BD9-81ED-4DB2-BD59-A6C34878D82A}">
-                    <a16:rowId xmlns="" xmlns:a16="http://schemas.microsoft.com/office/drawing/2014/main" val="3052914816"/>
+                    <a16:rowId xmlns:a16="http://schemas.microsoft.com/office/drawing/2014/main" val="3052914816"/>
                   </a:ext>
                 </a:extLst>
               </a:tr>
@@ -2161,7 +2184,7 @@
                 </a:tc>
                 <a:extLst>
                   <a:ext uri="{0D108BD9-81ED-4DB2-BD59-A6C34878D82A}">
-                    <a16:rowId xmlns="" xmlns:a16="http://schemas.microsoft.com/office/drawing/2014/main" val="2549488193"/>
+                    <a16:rowId xmlns:a16="http://schemas.microsoft.com/office/drawing/2014/main" val="2549488193"/>
                   </a:ext>
                 </a:extLst>
               </a:tr>
@@ -2186,7 +2209,7 @@
                     <a:lstStyle/>
                     <a:p>
                       <a:r>
-                        <a:rPr kumimoji="1" lang="en-US" altLang="ja-JP" dirty="0" smtClean="0"/>
+                        <a:rPr kumimoji="1" lang="en-US" altLang="ja-JP" dirty="0"/>
                         <a:t>2020/09/09</a:t>
                       </a:r>
                       <a:endParaRPr kumimoji="1" lang="ja-JP" altLang="en-US" dirty="0"/>
@@ -2200,7 +2223,7 @@
                     <a:lstStyle/>
                     <a:p>
                       <a:r>
-                        <a:rPr kumimoji="1" lang="en-US" altLang="ja-JP" dirty="0" smtClean="0"/>
+                        <a:rPr kumimoji="1" lang="en-US" altLang="ja-JP" dirty="0"/>
                         <a:t>UETOMAE</a:t>
                       </a:r>
                       <a:endParaRPr kumimoji="1" lang="ja-JP" altLang="en-US" dirty="0"/>
@@ -2214,17 +2237,16 @@
                     <a:lstStyle/>
                     <a:p>
                       <a:r>
-                        <a:rPr kumimoji="1" lang="ja-JP" altLang="en-US" dirty="0" smtClean="0"/>
+                        <a:rPr kumimoji="1" lang="ja-JP" altLang="en-US" dirty="0"/>
                         <a:t>コンテンツ管理システムに関する事項を追記</a:t>
                       </a:r>
-                      <a:endParaRPr kumimoji="1" lang="ja-JP" altLang="en-US" dirty="0"/>
                     </a:p>
                   </a:txBody>
                   <a:tcPr/>
                 </a:tc>
                 <a:extLst>
                   <a:ext uri="{0D108BD9-81ED-4DB2-BD59-A6C34878D82A}">
-                    <a16:rowId xmlns="" xmlns:a16="http://schemas.microsoft.com/office/drawing/2014/main" val="1567731476"/>
+                    <a16:rowId xmlns:a16="http://schemas.microsoft.com/office/drawing/2014/main" val="1567731476"/>
                   </a:ext>
                 </a:extLst>
               </a:tr>
@@ -2286,22 +2308,26 @@
               <a:buNone/>
             </a:pPr>
             <a:r>
-              <a:rPr lang="ja-JP" altLang="en-US" sz="1600" dirty="0"/>
+              <a:rPr lang="ja-JP" altLang="en-US" sz="1600" dirty="0">
+                <a:latin typeface="+mn-ea"/>
+              </a:rPr>
               <a:t>卒</a:t>
             </a:r>
             <a:r>
-              <a:rPr lang="en-US" altLang="ja-JP" sz="1600" dirty="0"/>
+              <a:rPr lang="en-US" altLang="ja-JP" sz="1600" dirty="0">
+                <a:latin typeface="+mn-ea"/>
+              </a:rPr>
               <a:t>ARu</a:t>
             </a:r>
             <a:r>
-              <a:rPr lang="ja-JP" altLang="en-US" sz="1600" dirty="0"/>
-              <a:t>では皆様の大切なデータ（画像、動画）をお預かりするために以下のようなセキュリティ対策</a:t>
-            </a:r>
-            <a:r>
-              <a:rPr lang="ja-JP" altLang="en-US" sz="1600" dirty="0" smtClean="0"/>
-              <a:t>を行っております。</a:t>
-            </a:r>
-            <a:endParaRPr lang="en-US" altLang="ja-JP" sz="1600" dirty="0" smtClean="0"/>
+              <a:rPr lang="ja-JP" altLang="en-US" sz="1600" dirty="0">
+                <a:latin typeface="+mn-ea"/>
+              </a:rPr>
+              <a:t>では皆様の大切なデータ（画像、動画）をお預かりするために以下のようなセキュリティ対策を行っております。</a:t>
+            </a:r>
+            <a:endParaRPr lang="en-US" altLang="ja-JP" sz="1600" dirty="0">
+              <a:latin typeface="+mn-ea"/>
+            </a:endParaRPr>
           </a:p>
           <a:p>
             <a:pPr>
@@ -2310,22 +2336,26 @@
               </a:lnSpc>
             </a:pPr>
             <a:r>
-              <a:rPr lang="ja-JP" altLang="en-US" sz="1000" dirty="0"/>
+              <a:rPr lang="ja-JP" altLang="en-US" sz="1000" dirty="0">
+                <a:latin typeface="+mn-ea"/>
+              </a:rPr>
               <a:t>動画、画像へアクセスするための</a:t>
             </a:r>
             <a:r>
-              <a:rPr lang="en-US" altLang="ja-JP" sz="1000" dirty="0"/>
+              <a:rPr lang="en-US" altLang="ja-JP" sz="1000" dirty="0">
+                <a:latin typeface="+mn-ea"/>
+              </a:rPr>
               <a:t>URL</a:t>
             </a:r>
             <a:r>
-              <a:rPr lang="ja-JP" altLang="en-US" sz="1000" dirty="0"/>
-              <a:t>は、サーバープログラムを介してデータベースから取得する必要があります</a:t>
-            </a:r>
-            <a:r>
-              <a:rPr lang="ja-JP" altLang="en-US" sz="1000" dirty="0" smtClean="0"/>
-              <a:t>。</a:t>
-            </a:r>
-            <a:endParaRPr lang="en-US" altLang="ja-JP" sz="1000" dirty="0" smtClean="0"/>
+              <a:rPr lang="ja-JP" altLang="en-US" sz="1000" dirty="0">
+                <a:latin typeface="+mn-ea"/>
+              </a:rPr>
+              <a:t>は、サーバープログラムを介してデータベースから取得する必要があります。</a:t>
+            </a:r>
+            <a:endParaRPr lang="en-US" altLang="ja-JP" sz="1000" dirty="0">
+              <a:latin typeface="+mn-ea"/>
+            </a:endParaRPr>
           </a:p>
           <a:p>
             <a:pPr>
@@ -2334,38 +2364,38 @@
               </a:lnSpc>
             </a:pPr>
             <a:r>
-              <a:rPr lang="ja-JP" altLang="en-US" sz="1000" dirty="0" smtClean="0"/>
-              <a:t>また</a:t>
-            </a:r>
-            <a:r>
-              <a:rPr lang="ja-JP" altLang="en-US" sz="1000" dirty="0"/>
-              <a:t>、卒</a:t>
-            </a:r>
-            <a:r>
-              <a:rPr lang="en-US" altLang="ja-JP" sz="1000" dirty="0"/>
+              <a:rPr lang="ja-JP" altLang="en-US" sz="1000" dirty="0">
+                <a:latin typeface="+mn-ea"/>
+              </a:rPr>
+              <a:t>また、卒</a:t>
+            </a:r>
+            <a:r>
+              <a:rPr lang="en-US" altLang="ja-JP" sz="1000" dirty="0">
+                <a:latin typeface="+mn-ea"/>
+              </a:rPr>
               <a:t>Aru</a:t>
             </a:r>
             <a:r>
-              <a:rPr lang="ja-JP" altLang="en-US" sz="1000" dirty="0" smtClean="0"/>
+              <a:rPr lang="ja-JP" altLang="en-US" sz="1000" dirty="0">
+                <a:latin typeface="+mn-ea"/>
+              </a:rPr>
               <a:t>アプリケーション、コンテンツ管理システム</a:t>
             </a:r>
             <a:r>
-              <a:rPr lang="en-US" altLang="ja-JP" sz="1000" dirty="0" smtClean="0"/>
+              <a:rPr lang="en-US" altLang="ja-JP" sz="1000" dirty="0">
+                <a:latin typeface="+mn-ea"/>
+              </a:rPr>
               <a:t> </a:t>
             </a:r>
             <a:r>
-              <a:rPr lang="ja-JP" altLang="en-US" sz="1000" dirty="0" smtClean="0"/>
-              <a:t>以外</a:t>
-            </a:r>
-            <a:r>
-              <a:rPr lang="ja-JP" altLang="en-US" sz="1000" dirty="0"/>
-              <a:t>の手段で、画像、動画を見ることは</a:t>
-            </a:r>
-            <a:r>
-              <a:rPr lang="ja-JP" altLang="en-US" sz="1000" dirty="0" smtClean="0"/>
-              <a:t>出来ない設計にしております。</a:t>
-            </a:r>
-            <a:endParaRPr lang="en-US" altLang="ja-JP" sz="1000" dirty="0"/>
+              <a:rPr lang="ja-JP" altLang="en-US" sz="1000" dirty="0">
+                <a:latin typeface="+mn-ea"/>
+              </a:rPr>
+              <a:t>以外の手段で、画像、動画を見ることは出来ない設計にしております。</a:t>
+            </a:r>
+            <a:endParaRPr lang="en-US" altLang="ja-JP" sz="1000" dirty="0">
+              <a:latin typeface="+mn-ea"/>
+            </a:endParaRPr>
           </a:p>
           <a:p>
             <a:pPr>
@@ -2374,18 +2404,14 @@
               </a:lnSpc>
             </a:pPr>
             <a:r>
-              <a:rPr lang="ja-JP" altLang="en-US" sz="1000" dirty="0" smtClean="0"/>
-              <a:t>構造</a:t>
-            </a:r>
-            <a:r>
-              <a:rPr lang="ja-JP" altLang="en-US" sz="1000" dirty="0"/>
-              <a:t>をシンプルにすることで大切なデータは堅牢な環境で管理されています</a:t>
-            </a:r>
-            <a:r>
-              <a:rPr lang="ja-JP" altLang="en-US" sz="1000" dirty="0" smtClean="0"/>
-              <a:t>。</a:t>
-            </a:r>
-            <a:endParaRPr lang="en-US" altLang="ja-JP" sz="1000" dirty="0"/>
+              <a:rPr lang="ja-JP" altLang="en-US" sz="1000" dirty="0">
+                <a:latin typeface="+mn-ea"/>
+              </a:rPr>
+              <a:t>構造をシンプルにすることで大切なデータは堅牢な環境で管理されています。</a:t>
+            </a:r>
+            <a:endParaRPr lang="en-US" altLang="ja-JP" sz="1000" dirty="0">
+              <a:latin typeface="+mn-ea"/>
+            </a:endParaRPr>
           </a:p>
         </p:txBody>
       </p:sp>
@@ -2408,7 +2434,7 @@
             <p:cNvPr id="112" name="Rectangle 47">
               <a:extLst>
                 <a:ext uri="{FF2B5EF4-FFF2-40B4-BE49-F238E27FC236}">
-                  <a16:creationId xmlns:a16="http://schemas.microsoft.com/office/drawing/2014/main" xmlns="" id="{F7C6A05A-B131-904E-9DAD-91CFCA42673E}"/>
+                  <a16:creationId xmlns:a16="http://schemas.microsoft.com/office/drawing/2014/main" id="{F7C6A05A-B131-904E-9DAD-91CFCA42673E}"/>
                 </a:ext>
               </a:extLst>
             </p:cNvPr>
@@ -2464,6 +2490,7 @@
                 <a:solidFill>
                   <a:schemeClr val="tx1"/>
                 </a:solidFill>
+                <a:latin typeface="+mn-ea"/>
               </a:endParaRPr>
             </a:p>
           </p:txBody>
@@ -2473,7 +2500,7 @@
             <p:cNvPr id="111" name="Rectangle 47">
               <a:extLst>
                 <a:ext uri="{FF2B5EF4-FFF2-40B4-BE49-F238E27FC236}">
-                  <a16:creationId xmlns:a16="http://schemas.microsoft.com/office/drawing/2014/main" xmlns="" id="{F7C6A05A-B131-904E-9DAD-91CFCA42673E}"/>
+                  <a16:creationId xmlns:a16="http://schemas.microsoft.com/office/drawing/2014/main" id="{F7C6A05A-B131-904E-9DAD-91CFCA42673E}"/>
                 </a:ext>
               </a:extLst>
             </p:cNvPr>
@@ -2529,6 +2556,7 @@
                 <a:solidFill>
                   <a:schemeClr val="tx1"/>
                 </a:solidFill>
+                <a:latin typeface="+mn-ea"/>
               </a:endParaRPr>
             </a:p>
           </p:txBody>
@@ -2538,7 +2566,7 @@
             <p:cNvPr id="82" name="Rectangle 47">
               <a:extLst>
                 <a:ext uri="{FF2B5EF4-FFF2-40B4-BE49-F238E27FC236}">
-                  <a16:creationId xmlns:a16="http://schemas.microsoft.com/office/drawing/2014/main" xmlns="" id="{F7C6A05A-B131-904E-9DAD-91CFCA42673E}"/>
+                  <a16:creationId xmlns:a16="http://schemas.microsoft.com/office/drawing/2014/main" id="{F7C6A05A-B131-904E-9DAD-91CFCA42673E}"/>
                 </a:ext>
               </a:extLst>
             </p:cNvPr>
@@ -2592,6 +2620,7 @@
                 <a:solidFill>
                   <a:schemeClr val="tx1"/>
                 </a:solidFill>
+                <a:latin typeface="+mn-ea"/>
               </a:endParaRPr>
             </a:p>
           </p:txBody>
@@ -2602,7 +2631,7 @@
           <p:cNvPr id="110" name="Rectangle 47">
             <a:extLst>
               <a:ext uri="{FF2B5EF4-FFF2-40B4-BE49-F238E27FC236}">
-                <a16:creationId xmlns:a16="http://schemas.microsoft.com/office/drawing/2014/main" xmlns="" id="{F7C6A05A-B131-904E-9DAD-91CFCA42673E}"/>
+                <a16:creationId xmlns:a16="http://schemas.microsoft.com/office/drawing/2014/main" id="{F7C6A05A-B131-904E-9DAD-91CFCA42673E}"/>
               </a:ext>
             </a:extLst>
           </p:cNvPr>
@@ -2657,6 +2686,7 @@
               <a:solidFill>
                 <a:schemeClr val="tx1"/>
               </a:solidFill>
+              <a:latin typeface="+mn-ea"/>
             </a:endParaRPr>
           </a:p>
         </p:txBody>
@@ -2666,7 +2696,7 @@
           <p:cNvPr id="108" name="Rectangle 47">
             <a:extLst>
               <a:ext uri="{FF2B5EF4-FFF2-40B4-BE49-F238E27FC236}">
-                <a16:creationId xmlns:a16="http://schemas.microsoft.com/office/drawing/2014/main" xmlns="" id="{F7C6A05A-B131-904E-9DAD-91CFCA42673E}"/>
+                <a16:creationId xmlns:a16="http://schemas.microsoft.com/office/drawing/2014/main" id="{F7C6A05A-B131-904E-9DAD-91CFCA42673E}"/>
               </a:ext>
             </a:extLst>
           </p:cNvPr>
@@ -2722,6 +2752,7 @@
               <a:solidFill>
                 <a:schemeClr val="tx1"/>
               </a:solidFill>
+              <a:latin typeface="+mn-ea"/>
             </a:endParaRPr>
           </a:p>
         </p:txBody>
@@ -2731,7 +2762,7 @@
           <p:cNvPr id="102" name="Rectangle 36">
             <a:extLst>
               <a:ext uri="{FF2B5EF4-FFF2-40B4-BE49-F238E27FC236}">
-                <a16:creationId xmlns:a16="http://schemas.microsoft.com/office/drawing/2014/main" xmlns="" id="{305B98DC-5AF5-3342-A4B1-F62852BC80FE}"/>
+                <a16:creationId xmlns:a16="http://schemas.microsoft.com/office/drawing/2014/main" id="{305B98DC-5AF5-3342-A4B1-F62852BC80FE}"/>
               </a:ext>
             </a:extLst>
           </p:cNvPr>
@@ -2784,6 +2815,7 @@
               <a:solidFill>
                 <a:srgbClr val="00A0E7"/>
               </a:solidFill>
+              <a:latin typeface="+mn-ea"/>
             </a:endParaRPr>
           </a:p>
         </p:txBody>
@@ -2793,7 +2825,7 @@
           <p:cNvPr id="2" name="タイトル 1">
             <a:extLst>
               <a:ext uri="{FF2B5EF4-FFF2-40B4-BE49-F238E27FC236}">
-                <a16:creationId xmlns:a16="http://schemas.microsoft.com/office/drawing/2014/main" xmlns="" id="{1A3C72B1-DD7E-4C64-B1AC-556F59194061}"/>
+                <a16:creationId xmlns:a16="http://schemas.microsoft.com/office/drawing/2014/main" id="{1A3C72B1-DD7E-4C64-B1AC-556F59194061}"/>
               </a:ext>
             </a:extLst>
           </p:cNvPr>
@@ -2812,18 +2844,30 @@
           <a:lstStyle/>
           <a:p>
             <a:r>
-              <a:rPr lang="en-US" altLang="ja-JP" dirty="0"/>
+              <a:rPr lang="en-US" altLang="ja-JP" dirty="0">
+                <a:latin typeface="+mn-ea"/>
+                <a:ea typeface="+mn-ea"/>
+              </a:rPr>
               <a:t>1</a:t>
             </a:r>
             <a:r>
-              <a:rPr kumimoji="1" lang="en-US" altLang="ja-JP" dirty="0"/>
+              <a:rPr kumimoji="1" lang="en-US" altLang="ja-JP" dirty="0">
+                <a:latin typeface="+mn-ea"/>
+                <a:ea typeface="+mn-ea"/>
+              </a:rPr>
               <a:t>. </a:t>
             </a:r>
             <a:r>
-              <a:rPr lang="ja-JP" altLang="en-US" dirty="0" smtClean="0"/>
+              <a:rPr lang="ja-JP" altLang="en-US" dirty="0">
+                <a:latin typeface="+mn-ea"/>
+                <a:ea typeface="+mn-ea"/>
+              </a:rPr>
               <a:t>セキュリティの説明</a:t>
             </a:r>
-            <a:endParaRPr kumimoji="1" lang="ja-JP" altLang="en-US" dirty="0"/>
+            <a:endParaRPr kumimoji="1" lang="ja-JP" altLang="en-US" dirty="0">
+              <a:latin typeface="+mn-ea"/>
+              <a:ea typeface="+mn-ea"/>
+            </a:endParaRPr>
           </a:p>
         </p:txBody>
       </p:sp>
@@ -2832,7 +2876,7 @@
           <p:cNvPr id="28" name="Rectangle 47">
             <a:extLst>
               <a:ext uri="{FF2B5EF4-FFF2-40B4-BE49-F238E27FC236}">
-                <a16:creationId xmlns:a16="http://schemas.microsoft.com/office/drawing/2014/main" xmlns="" id="{F7C6A05A-B131-904E-9DAD-91CFCA42673E}"/>
+                <a16:creationId xmlns:a16="http://schemas.microsoft.com/office/drawing/2014/main" id="{F7C6A05A-B131-904E-9DAD-91CFCA42673E}"/>
               </a:ext>
             </a:extLst>
           </p:cNvPr>
@@ -2885,6 +2929,7 @@
                 <a:solidFill>
                   <a:schemeClr val="tx1"/>
                 </a:solidFill>
+                <a:latin typeface="+mn-ea"/>
               </a:rPr>
               <a:t>AWS Cloud</a:t>
             </a:r>
@@ -2896,7 +2941,7 @@
           <p:cNvPr id="34" name="Graphic 50">
             <a:extLst>
               <a:ext uri="{FF2B5EF4-FFF2-40B4-BE49-F238E27FC236}">
-                <a16:creationId xmlns:a16="http://schemas.microsoft.com/office/drawing/2014/main" xmlns="" id="{90480268-FA8A-6D4B-8724-6B01F65849EB}"/>
+                <a16:creationId xmlns:a16="http://schemas.microsoft.com/office/drawing/2014/main" id="{90480268-FA8A-6D4B-8724-6B01F65849EB}"/>
               </a:ext>
             </a:extLst>
           </p:cNvPr>
@@ -2909,7 +2954,7 @@
           <a:blip r:embed="rId2">
             <a:extLst>
               <a:ext uri="{96DAC541-7B7A-43D3-8B79-37D633B846F1}">
-                <asvg:svgBlip xmlns:asvg="http://schemas.microsoft.com/office/drawing/2016/SVG/main" xmlns="" r:embed="rId7"/>
+                <asvg:svgBlip xmlns:asvg="http://schemas.microsoft.com/office/drawing/2016/SVG/main" r:embed="rId3"/>
               </a:ext>
             </a:extLst>
           </a:blip>
@@ -3066,11 +3111,15 @@
           <a:lstStyle/>
           <a:p>
             <a:fld id="{FC7FC04C-4975-46EC-A609-F7DE0D5B1B51}" type="slidenum">
-              <a:rPr kumimoji="1" lang="ja-JP" altLang="en-US" smtClean="0"/>
+              <a:rPr kumimoji="1" lang="ja-JP" altLang="en-US" smtClean="0">
+                <a:latin typeface="+mn-ea"/>
+              </a:rPr>
               <a:pPr/>
               <a:t>3</a:t>
             </a:fld>
-            <a:endParaRPr kumimoji="1" lang="ja-JP" altLang="en-US" dirty="0"/>
+            <a:endParaRPr kumimoji="1" lang="ja-JP" altLang="en-US" dirty="0">
+              <a:latin typeface="+mn-ea"/>
+            </a:endParaRPr>
           </a:p>
         </p:txBody>
       </p:sp>
@@ -3097,10 +3146,14 @@
           <a:lstStyle/>
           <a:p>
             <a:r>
-              <a:rPr kumimoji="1" lang="ja-JP" altLang="en-US" sz="1200" dirty="0" smtClean="0"/>
+              <a:rPr kumimoji="1" lang="ja-JP" altLang="en-US" sz="1200" dirty="0">
+                <a:latin typeface="+mn-ea"/>
+              </a:rPr>
               <a:t>学校・運用会社</a:t>
             </a:r>
-            <a:endParaRPr kumimoji="1" lang="en-US" altLang="ja-JP" sz="1200" dirty="0" smtClean="0"/>
+            <a:endParaRPr kumimoji="1" lang="en-US" altLang="ja-JP" sz="1200" dirty="0">
+              <a:latin typeface="+mn-ea"/>
+            </a:endParaRPr>
           </a:p>
         </p:txBody>
       </p:sp>
@@ -3127,10 +3180,11 @@
           <a:lstStyle/>
           <a:p>
             <a:r>
-              <a:rPr kumimoji="1" lang="ja-JP" altLang="en-US" sz="1200" dirty="0" smtClean="0"/>
+              <a:rPr kumimoji="1" lang="ja-JP" altLang="en-US" sz="1200" dirty="0">
+                <a:latin typeface="+mn-ea"/>
+              </a:rPr>
               <a:t>学校関係者</a:t>
             </a:r>
-            <a:endParaRPr kumimoji="1" lang="ja-JP" altLang="en-US" sz="1200" dirty="0"/>
           </a:p>
         </p:txBody>
       </p:sp>
@@ -3180,7 +3234,7 @@
         <p:spPr>
           <a:xfrm>
             <a:off x="462966" y="4796451"/>
-            <a:ext cx="400846" cy="276999"/>
+            <a:ext cx="380232" cy="276999"/>
           </a:xfrm>
           <a:prstGeom prst="rect">
             <a:avLst/>
@@ -3194,13 +3248,14 @@
           <a:lstStyle/>
           <a:p>
             <a:r>
-              <a:rPr kumimoji="1" lang="en-US" altLang="ja-JP" sz="1200" dirty="0" smtClean="0">
+              <a:rPr kumimoji="1" lang="en-US" altLang="ja-JP" sz="1200" dirty="0">
                 <a:solidFill>
                   <a:schemeClr val="tx1">
                     <a:lumMod val="50000"/>
                     <a:lumOff val="50000"/>
                   </a:schemeClr>
                 </a:solidFill>
+                <a:latin typeface="+mn-ea"/>
               </a:rPr>
               <a:t>PC</a:t>
             </a:r>
@@ -3211,6 +3266,7 @@
                   <a:lumOff val="50000"/>
                 </a:schemeClr>
               </a:solidFill>
+              <a:latin typeface="+mn-ea"/>
             </a:endParaRPr>
           </a:p>
         </p:txBody>
@@ -3351,7 +3407,7 @@
             <p:cNvPr id="44" name="Graphic 71">
               <a:extLst>
                 <a:ext uri="{FF2B5EF4-FFF2-40B4-BE49-F238E27FC236}">
-                  <a16:creationId xmlns:a16="http://schemas.microsoft.com/office/drawing/2014/main" xmlns="" id="{31D711CB-BE6B-6644-AD61-BCF2CDB2A587}"/>
+                  <a16:creationId xmlns:a16="http://schemas.microsoft.com/office/drawing/2014/main" id="{31D711CB-BE6B-6644-AD61-BCF2CDB2A587}"/>
                 </a:ext>
               </a:extLst>
             </p:cNvPr>
@@ -3361,10 +3417,10 @@
             <p:nvPr/>
           </p:nvPicPr>
           <p:blipFill>
-            <a:blip r:embed="rId8">
+            <a:blip r:embed="rId4">
               <a:extLst>
                 <a:ext uri="{96DAC541-7B7A-43D3-8B79-37D633B846F1}">
-                  <asvg:svgBlip xmlns:asvg="http://schemas.microsoft.com/office/drawing/2016/SVG/main" xmlns="" r:embed="rId19"/>
+                  <asvg:svgBlip xmlns:asvg="http://schemas.microsoft.com/office/drawing/2016/SVG/main" r:embed="rId5"/>
                 </a:ext>
               </a:extLst>
             </a:blip>
@@ -3387,7 +3443,7 @@
             <p:cNvPr id="45" name="TextBox 75">
               <a:extLst>
                 <a:ext uri="{FF2B5EF4-FFF2-40B4-BE49-F238E27FC236}">
-                  <a16:creationId xmlns:a16="http://schemas.microsoft.com/office/drawing/2014/main" xmlns="" id="{9ABBCCC2-6A9F-CE45-9C04-D783E79573D6}"/>
+                  <a16:creationId xmlns:a16="http://schemas.microsoft.com/office/drawing/2014/main" id="{9ABBCCC2-6A9F-CE45-9C04-D783E79573D6}"/>
                 </a:ext>
               </a:extLst>
             </p:cNvPr>
@@ -3412,21 +3468,22 @@
             <a:p>
               <a:pPr algn="ctr"/>
               <a:r>
-                <a:rPr lang="en-US" sz="1100" dirty="0"/>
+                <a:rPr lang="en-US" sz="1100" dirty="0">
+                  <a:latin typeface="+mn-ea"/>
+                </a:rPr>
                 <a:t>Amazon </a:t>
               </a:r>
-              <a:r>
-                <a:rPr lang="en-US" sz="1100" dirty="0" smtClean="0"/>
-                <a:t/>
-              </a:r>
               <a:br>
-                <a:rPr lang="en-US" sz="1100" dirty="0" smtClean="0"/>
+                <a:rPr lang="en-US" sz="1100" dirty="0">
+                  <a:latin typeface="+mn-ea"/>
+                </a:rPr>
               </a:br>
               <a:r>
-                <a:rPr lang="en-US" sz="1100" dirty="0" smtClean="0"/>
+                <a:rPr lang="en-US" sz="1100" dirty="0">
+                  <a:latin typeface="+mn-ea"/>
+                </a:rPr>
                 <a:t>S3</a:t>
               </a:r>
-              <a:endParaRPr lang="en-US" sz="1100" dirty="0"/>
             </a:p>
           </p:txBody>
         </p:sp>
@@ -3450,7 +3507,7 @@
             <p:cNvPr id="48" name="TextBox 4">
               <a:extLst>
                 <a:ext uri="{FF2B5EF4-FFF2-40B4-BE49-F238E27FC236}">
-                  <a16:creationId xmlns:a16="http://schemas.microsoft.com/office/drawing/2014/main" xmlns="" id="{98493F85-0788-B14E-AA06-484C3E93C5D7}"/>
+                  <a16:creationId xmlns:a16="http://schemas.microsoft.com/office/drawing/2014/main" id="{98493F85-0788-B14E-AA06-484C3E93C5D7}"/>
                 </a:ext>
               </a:extLst>
             </p:cNvPr>
@@ -3475,23 +3532,21 @@
             <a:p>
               <a:pPr algn="ctr"/>
               <a:r>
-                <a:rPr lang="en-US" sz="1100" dirty="0"/>
+                <a:rPr lang="en-US" sz="1100" dirty="0">
+                  <a:latin typeface="+mn-ea"/>
+                </a:rPr>
                 <a:t>Amazon </a:t>
               </a:r>
-              <a:r>
-                <a:rPr lang="en-US" sz="1100" dirty="0" smtClean="0"/>
-                <a:t/>
-              </a:r>
               <a:br>
-                <a:rPr lang="en-US" sz="1100" dirty="0" smtClean="0"/>
+                <a:rPr lang="en-US" sz="1100" dirty="0">
+                  <a:latin typeface="+mn-ea"/>
+                </a:rPr>
               </a:br>
               <a:r>
-                <a:rPr lang="en-US" sz="1100" dirty="0" smtClean="0"/>
-                <a:t>API </a:t>
-              </a:r>
-              <a:r>
-                <a:rPr lang="en-US" sz="1100" dirty="0"/>
-                <a:t>Gateway</a:t>
+                <a:rPr lang="en-US" sz="1100" dirty="0">
+                  <a:latin typeface="+mn-ea"/>
+                </a:rPr>
+                <a:t>API Gateway</a:t>
               </a:r>
             </a:p>
           </p:txBody>
@@ -3501,7 +3556,7 @@
             <p:cNvPr id="50" name="Graphic 19">
               <a:extLst>
                 <a:ext uri="{FF2B5EF4-FFF2-40B4-BE49-F238E27FC236}">
-                  <a16:creationId xmlns:a16="http://schemas.microsoft.com/office/drawing/2014/main" xmlns="" id="{E3415E5B-FE82-7A40-8F0B-7A0EC616D16B}"/>
+                  <a16:creationId xmlns:a16="http://schemas.microsoft.com/office/drawing/2014/main" id="{E3415E5B-FE82-7A40-8F0B-7A0EC616D16B}"/>
                 </a:ext>
               </a:extLst>
             </p:cNvPr>
@@ -3511,10 +3566,10 @@
             <p:nvPr/>
           </p:nvPicPr>
           <p:blipFill>
-            <a:blip r:embed="rId20">
+            <a:blip r:embed="rId6">
               <a:extLst>
                 <a:ext uri="{96DAC541-7B7A-43D3-8B79-37D633B846F1}">
-                  <asvg:svgBlip xmlns:asvg="http://schemas.microsoft.com/office/drawing/2016/SVG/main" xmlns="" r:embed="rId6"/>
+                  <asvg:svgBlip xmlns:asvg="http://schemas.microsoft.com/office/drawing/2016/SVG/main" r:embed="rId7"/>
                 </a:ext>
               </a:extLst>
             </a:blip>
@@ -3552,7 +3607,7 @@
             <p:cNvPr id="51" name="TextBox 9">
               <a:extLst>
                 <a:ext uri="{FF2B5EF4-FFF2-40B4-BE49-F238E27FC236}">
-                  <a16:creationId xmlns:a16="http://schemas.microsoft.com/office/drawing/2014/main" xmlns="" id="{0B311536-12F3-9C40-8153-5AF1A85390A9}"/>
+                  <a16:creationId xmlns:a16="http://schemas.microsoft.com/office/drawing/2014/main" id="{0B311536-12F3-9C40-8153-5AF1A85390A9}"/>
                 </a:ext>
               </a:extLst>
             </p:cNvPr>
@@ -3577,21 +3632,22 @@
             <a:p>
               <a:pPr algn="ctr"/>
               <a:r>
-                <a:rPr lang="en-US" sz="1100" dirty="0"/>
+                <a:rPr lang="en-US" sz="1100" dirty="0">
+                  <a:latin typeface="+mn-ea"/>
+                </a:rPr>
                 <a:t>Amazon </a:t>
               </a:r>
-              <a:r>
-                <a:rPr lang="en-US" sz="1100" dirty="0" smtClean="0"/>
-                <a:t/>
-              </a:r>
               <a:br>
-                <a:rPr lang="en-US" sz="1100" dirty="0" smtClean="0"/>
+                <a:rPr lang="en-US" sz="1100" dirty="0">
+                  <a:latin typeface="+mn-ea"/>
+                </a:rPr>
               </a:br>
               <a:r>
-                <a:rPr lang="en-US" sz="1100" dirty="0" smtClean="0"/>
+                <a:rPr lang="en-US" sz="1100" dirty="0">
+                  <a:latin typeface="+mn-ea"/>
+                </a:rPr>
                 <a:t>DynamoDB</a:t>
               </a:r>
-              <a:endParaRPr lang="en-US" sz="1100" dirty="0"/>
             </a:p>
           </p:txBody>
         </p:sp>
@@ -3600,7 +3656,7 @@
             <p:cNvPr id="52" name="Graphic 47">
               <a:extLst>
                 <a:ext uri="{FF2B5EF4-FFF2-40B4-BE49-F238E27FC236}">
-                  <a16:creationId xmlns:a16="http://schemas.microsoft.com/office/drawing/2014/main" xmlns="" id="{64ACDB4E-B998-9447-845B-246D5827B993}"/>
+                  <a16:creationId xmlns:a16="http://schemas.microsoft.com/office/drawing/2014/main" id="{64ACDB4E-B998-9447-845B-246D5827B993}"/>
                 </a:ext>
               </a:extLst>
             </p:cNvPr>
@@ -3610,10 +3666,10 @@
             <p:nvPr/>
           </p:nvPicPr>
           <p:blipFill>
-            <a:blip r:embed="rId21">
+            <a:blip r:embed="rId8">
               <a:extLst>
                 <a:ext uri="{96DAC541-7B7A-43D3-8B79-37D633B846F1}">
-                  <asvg:svgBlip xmlns:asvg="http://schemas.microsoft.com/office/drawing/2016/SVG/main" xmlns="" r:embed="rId25"/>
+                  <asvg:svgBlip xmlns:asvg="http://schemas.microsoft.com/office/drawing/2016/SVG/main" r:embed="rId9"/>
                 </a:ext>
               </a:extLst>
             </a:blip>
@@ -3651,7 +3707,7 @@
             <p:cNvPr id="62" name="TextBox 8">
               <a:extLst>
                 <a:ext uri="{FF2B5EF4-FFF2-40B4-BE49-F238E27FC236}">
-                  <a16:creationId xmlns:a16="http://schemas.microsoft.com/office/drawing/2014/main" xmlns="" id="{D7ECF936-B8F2-B944-B1E5-0DC7D3F9AAB9}"/>
+                  <a16:creationId xmlns:a16="http://schemas.microsoft.com/office/drawing/2014/main" id="{D7ECF936-B8F2-B944-B1E5-0DC7D3F9AAB9}"/>
                 </a:ext>
               </a:extLst>
             </p:cNvPr>
@@ -3676,14 +3732,11 @@
             <a:p>
               <a:pPr algn="ctr"/>
               <a:r>
-                <a:rPr lang="en-US" sz="1100" dirty="0"/>
-                <a:t>AWS </a:t>
+                <a:rPr lang="en-US" sz="1100" dirty="0">
+                  <a:latin typeface="+mn-ea"/>
+                </a:rPr>
+                <a:t>AWS IAM</a:t>
               </a:r>
-              <a:r>
-                <a:rPr lang="en-US" sz="1100" dirty="0" smtClean="0"/>
-                <a:t>IAM</a:t>
-              </a:r>
-              <a:endParaRPr lang="en-US" sz="1100" dirty="0"/>
             </a:p>
           </p:txBody>
         </p:sp>
@@ -3692,7 +3745,7 @@
             <p:cNvPr id="63" name="Graphic 36">
               <a:extLst>
                 <a:ext uri="{FF2B5EF4-FFF2-40B4-BE49-F238E27FC236}">
-                  <a16:creationId xmlns:a16="http://schemas.microsoft.com/office/drawing/2014/main" xmlns="" id="{0B16542F-4C0D-DE45-99C9-05EC9CD8FE3D}"/>
+                  <a16:creationId xmlns:a16="http://schemas.microsoft.com/office/drawing/2014/main" id="{0B16542F-4C0D-DE45-99C9-05EC9CD8FE3D}"/>
                 </a:ext>
               </a:extLst>
             </p:cNvPr>
@@ -3702,10 +3755,10 @@
             <p:nvPr/>
           </p:nvPicPr>
           <p:blipFill>
-            <a:blip r:embed="rId26">
+            <a:blip r:embed="rId10">
               <a:extLst>
                 <a:ext uri="{96DAC541-7B7A-43D3-8B79-37D633B846F1}">
-                  <asvg:svgBlip xmlns:asvg="http://schemas.microsoft.com/office/drawing/2016/SVG/main" xmlns="" r:embed="rId13"/>
+                  <asvg:svgBlip xmlns:asvg="http://schemas.microsoft.com/office/drawing/2016/SVG/main" r:embed="rId11"/>
                 </a:ext>
               </a:extLst>
             </a:blip>
@@ -3743,7 +3796,7 @@
             <p:cNvPr id="88" name="TextBox 8">
               <a:extLst>
                 <a:ext uri="{FF2B5EF4-FFF2-40B4-BE49-F238E27FC236}">
-                  <a16:creationId xmlns:a16="http://schemas.microsoft.com/office/drawing/2014/main" xmlns="" id="{D7ECF936-B8F2-B944-B1E5-0DC7D3F9AAB9}"/>
+                  <a16:creationId xmlns:a16="http://schemas.microsoft.com/office/drawing/2014/main" id="{D7ECF936-B8F2-B944-B1E5-0DC7D3F9AAB9}"/>
                 </a:ext>
               </a:extLst>
             </p:cNvPr>
@@ -3768,7 +3821,9 @@
             <a:p>
               <a:pPr algn="ctr"/>
               <a:r>
-                <a:rPr lang="en-US" sz="1100" dirty="0"/>
+                <a:rPr lang="en-US" sz="1100" dirty="0">
+                  <a:latin typeface="+mn-ea"/>
+                </a:rPr>
                 <a:t>AWS WAF</a:t>
               </a:r>
             </a:p>
@@ -3779,7 +3834,7 @@
             <p:cNvPr id="89" name="Graphic 26">
               <a:extLst>
                 <a:ext uri="{FF2B5EF4-FFF2-40B4-BE49-F238E27FC236}">
-                  <a16:creationId xmlns:a16="http://schemas.microsoft.com/office/drawing/2014/main" xmlns="" id="{6474A222-3CF8-3F41-AB6E-29E3FCA4874B}"/>
+                  <a16:creationId xmlns:a16="http://schemas.microsoft.com/office/drawing/2014/main" id="{6474A222-3CF8-3F41-AB6E-29E3FCA4874B}"/>
                 </a:ext>
               </a:extLst>
             </p:cNvPr>
@@ -3789,10 +3844,10 @@
             <p:nvPr/>
           </p:nvPicPr>
           <p:blipFill>
-            <a:blip r:embed="rId27">
+            <a:blip r:embed="rId12">
               <a:extLst>
                 <a:ext uri="{96DAC541-7B7A-43D3-8B79-37D633B846F1}">
-                  <asvg:svgBlip xmlns:asvg="http://schemas.microsoft.com/office/drawing/2016/SVG/main" xmlns="" r:embed="rId9"/>
+                  <asvg:svgBlip xmlns:asvg="http://schemas.microsoft.com/office/drawing/2016/SVG/main" r:embed="rId13"/>
                 </a:ext>
               </a:extLst>
             </a:blip>
@@ -3830,7 +3885,7 @@
             <p:cNvPr id="54" name="TextBox 34">
               <a:extLst>
                 <a:ext uri="{FF2B5EF4-FFF2-40B4-BE49-F238E27FC236}">
-                  <a16:creationId xmlns:a16="http://schemas.microsoft.com/office/drawing/2014/main" xmlns="" id="{15E56E6E-0E7C-E14A-90F3-EFD2E907FD70}"/>
+                  <a16:creationId xmlns:a16="http://schemas.microsoft.com/office/drawing/2014/main" id="{15E56E6E-0E7C-E14A-90F3-EFD2E907FD70}"/>
                 </a:ext>
               </a:extLst>
             </p:cNvPr>
@@ -3855,10 +3910,11 @@
             <a:p>
               <a:pPr algn="ctr"/>
               <a:r>
-                <a:rPr lang="en-US" sz="1100" dirty="0" smtClean="0"/>
+                <a:rPr lang="en-US" sz="1100" dirty="0">
+                  <a:latin typeface="+mn-ea"/>
+                </a:rPr>
                 <a:t>AWS Lambda</a:t>
               </a:r>
-              <a:endParaRPr lang="en-US" sz="1100" dirty="0"/>
             </a:p>
           </p:txBody>
         </p:sp>
@@ -3867,7 +3923,7 @@
             <p:cNvPr id="55" name="Graphic 44">
               <a:extLst>
                 <a:ext uri="{FF2B5EF4-FFF2-40B4-BE49-F238E27FC236}">
-                  <a16:creationId xmlns:a16="http://schemas.microsoft.com/office/drawing/2014/main" xmlns="" id="{E2DAEC15-20F6-3647-8A23-EC2BA0B080D7}"/>
+                  <a16:creationId xmlns:a16="http://schemas.microsoft.com/office/drawing/2014/main" id="{E2DAEC15-20F6-3647-8A23-EC2BA0B080D7}"/>
                 </a:ext>
               </a:extLst>
             </p:cNvPr>
@@ -3877,10 +3933,10 @@
             <p:nvPr/>
           </p:nvPicPr>
           <p:blipFill>
-            <a:blip r:embed="rId28">
+            <a:blip r:embed="rId14">
               <a:extLst>
                 <a:ext uri="{96DAC541-7B7A-43D3-8B79-37D633B846F1}">
-                  <asvg:svgBlip xmlns:asvg="http://schemas.microsoft.com/office/drawing/2016/SVG/main" xmlns="" r:embed="rId11"/>
+                  <asvg:svgBlip xmlns:asvg="http://schemas.microsoft.com/office/drawing/2016/SVG/main" r:embed="rId15"/>
                 </a:ext>
               </a:extLst>
             </a:blip>
@@ -3918,7 +3974,7 @@
             <p:cNvPr id="101" name="TextBox 10">
               <a:extLst>
                 <a:ext uri="{FF2B5EF4-FFF2-40B4-BE49-F238E27FC236}">
-                  <a16:creationId xmlns="" xmlns:a16="http://schemas.microsoft.com/office/drawing/2014/main" id="{99E9A16C-C445-9643-9734-20DB6E5D3E42}"/>
+                  <a16:creationId xmlns:a16="http://schemas.microsoft.com/office/drawing/2014/main" id="{99E9A16C-C445-9643-9734-20DB6E5D3E42}"/>
                 </a:ext>
               </a:extLst>
             </p:cNvPr>
@@ -3943,17 +3999,22 @@
             <a:p>
               <a:pPr algn="ctr"/>
               <a:r>
-                <a:rPr lang="en-US" sz="1100" dirty="0" smtClean="0"/>
+                <a:rPr lang="en-US" sz="1100" dirty="0">
+                  <a:latin typeface="+mn-ea"/>
+                </a:rPr>
                 <a:t>Amazon</a:t>
               </a:r>
               <a:br>
-                <a:rPr lang="en-US" sz="1100" dirty="0" smtClean="0"/>
+                <a:rPr lang="en-US" sz="1100" dirty="0">
+                  <a:latin typeface="+mn-ea"/>
+                </a:rPr>
               </a:br>
               <a:r>
-                <a:rPr lang="en-US" sz="1100" dirty="0" smtClean="0"/>
+                <a:rPr lang="en-US" sz="1100" dirty="0">
+                  <a:latin typeface="+mn-ea"/>
+                </a:rPr>
                 <a:t>Cognito</a:t>
               </a:r>
-              <a:endParaRPr lang="en-US" sz="1100" dirty="0"/>
             </a:p>
           </p:txBody>
         </p:sp>
@@ -3962,7 +4023,7 @@
             <p:cNvPr id="107" name="Graphic 23">
               <a:extLst>
                 <a:ext uri="{FF2B5EF4-FFF2-40B4-BE49-F238E27FC236}">
-                  <a16:creationId xmlns="" xmlns:a16="http://schemas.microsoft.com/office/drawing/2014/main" id="{E9A0F7B5-2F3A-6242-BCA5-7273277F9F0C}"/>
+                  <a16:creationId xmlns:a16="http://schemas.microsoft.com/office/drawing/2014/main" id="{E9A0F7B5-2F3A-6242-BCA5-7273277F9F0C}"/>
                 </a:ext>
               </a:extLst>
             </p:cNvPr>
@@ -3972,10 +4033,10 @@
             <p:nvPr/>
           </p:nvPicPr>
           <p:blipFill>
-            <a:blip r:embed="rId29">
+            <a:blip r:embed="rId16">
               <a:extLst>
                 <a:ext uri="{96DAC541-7B7A-43D3-8B79-37D633B846F1}">
-                  <asvg:svgBlip xmlns="" xmlns:asvg="http://schemas.microsoft.com/office/drawing/2016/SVG/main" r:embed="rId55"/>
+                  <asvg:svgBlip xmlns:asvg="http://schemas.microsoft.com/office/drawing/2016/SVG/main" r:embed="rId17"/>
                 </a:ext>
               </a:extLst>
             </a:blip>
@@ -4094,10 +4155,14 @@
           <a:lstStyle/>
           <a:p>
             <a:r>
-              <a:rPr kumimoji="1" lang="ja-JP" altLang="en-US" sz="1200" dirty="0" smtClean="0"/>
+              <a:rPr kumimoji="1" lang="ja-JP" altLang="en-US" sz="1200" dirty="0">
+                <a:latin typeface="+mn-ea"/>
+              </a:rPr>
               <a:t>卒業生・父兄など</a:t>
             </a:r>
-            <a:endParaRPr kumimoji="1" lang="en-US" altLang="ja-JP" sz="1200" dirty="0" smtClean="0"/>
+            <a:endParaRPr kumimoji="1" lang="en-US" altLang="ja-JP" sz="1200" dirty="0">
+              <a:latin typeface="+mn-ea"/>
+            </a:endParaRPr>
           </a:p>
         </p:txBody>
       </p:sp>
@@ -4120,7 +4185,7 @@
             <p:cNvPr id="43" name="Graphic 8">
               <a:extLst>
                 <a:ext uri="{FF2B5EF4-FFF2-40B4-BE49-F238E27FC236}">
-                  <a16:creationId xmlns:a16="http://schemas.microsoft.com/office/drawing/2014/main" xmlns="" id="{0CFADCF2-BD45-E64B-885E-54763259CE56}"/>
+                  <a16:creationId xmlns:a16="http://schemas.microsoft.com/office/drawing/2014/main" id="{0CFADCF2-BD45-E64B-885E-54763259CE56}"/>
                 </a:ext>
               </a:extLst>
             </p:cNvPr>
@@ -4130,10 +4195,10 @@
             <p:nvPr/>
           </p:nvPicPr>
           <p:blipFill>
-            <a:blip r:embed="rId56">
+            <a:blip r:embed="rId18">
               <a:extLst>
                 <a:ext uri="{96DAC541-7B7A-43D3-8B79-37D633B846F1}">
-                  <asvg:svgBlip xmlns:asvg="http://schemas.microsoft.com/office/drawing/2016/SVG/main" xmlns="" r:embed="rId49"/>
+                  <asvg:svgBlip xmlns:asvg="http://schemas.microsoft.com/office/drawing/2016/SVG/main" r:embed="rId19"/>
                 </a:ext>
               </a:extLst>
             </a:blip>
@@ -4156,7 +4221,7 @@
             <p:cNvPr id="42" name="TextBox 14">
               <a:extLst>
                 <a:ext uri="{FF2B5EF4-FFF2-40B4-BE49-F238E27FC236}">
-                  <a16:creationId xmlns:a16="http://schemas.microsoft.com/office/drawing/2014/main" xmlns="" id="{E3C0960A-3D31-6D47-8EAA-93DE09090CDD}"/>
+                  <a16:creationId xmlns:a16="http://schemas.microsoft.com/office/drawing/2014/main" id="{E3C0960A-3D31-6D47-8EAA-93DE09090CDD}"/>
                 </a:ext>
               </a:extLst>
             </p:cNvPr>
@@ -4181,21 +4246,22 @@
             <a:p>
               <a:pPr algn="ctr"/>
               <a:r>
-                <a:rPr lang="en-US" sz="1100" dirty="0"/>
+                <a:rPr lang="en-US" sz="1100" dirty="0">
+                  <a:latin typeface="+mn-ea"/>
+                </a:rPr>
                 <a:t>Amazon </a:t>
               </a:r>
-              <a:r>
-                <a:rPr lang="en-US" sz="1100" dirty="0" smtClean="0"/>
-                <a:t/>
-              </a:r>
               <a:br>
-                <a:rPr lang="en-US" sz="1100" dirty="0" smtClean="0"/>
+                <a:rPr lang="en-US" sz="1100" dirty="0">
+                  <a:latin typeface="+mn-ea"/>
+                </a:rPr>
               </a:br>
               <a:r>
-                <a:rPr lang="en-US" sz="1100" dirty="0" smtClean="0"/>
+                <a:rPr lang="en-US" sz="1100" dirty="0">
+                  <a:latin typeface="+mn-ea"/>
+                </a:rPr>
                 <a:t>EC2</a:t>
               </a:r>
-              <a:endParaRPr lang="en-US" sz="1100" dirty="0"/>
             </a:p>
           </p:txBody>
         </p:sp>
@@ -4205,7 +4271,7 @@
           <p:cNvPr id="142" name="グループ化 63">
             <a:extLst>
               <a:ext uri="{FF2B5EF4-FFF2-40B4-BE49-F238E27FC236}">
-                <a16:creationId xmlns="" xmlns:a16="http://schemas.microsoft.com/office/drawing/2014/main" id="{C50D0074-4B8A-4583-8AA8-51C84E98BD0A}"/>
+                <a16:creationId xmlns:a16="http://schemas.microsoft.com/office/drawing/2014/main" id="{C50D0074-4B8A-4583-8AA8-51C84E98BD0A}"/>
               </a:ext>
             </a:extLst>
           </p:cNvPr>
@@ -4214,10 +4280,10 @@
         </p:nvGrpSpPr>
         <p:grpSpPr>
           <a:xfrm>
-            <a:off x="660121" y="2567919"/>
-            <a:ext cx="851962" cy="1357619"/>
-            <a:chOff x="19048" y="2444094"/>
-            <a:chExt cx="1466851" cy="2337457"/>
+            <a:off x="597165" y="2567919"/>
+            <a:ext cx="1005403" cy="1357619"/>
+            <a:chOff x="-89345" y="2444094"/>
+            <a:chExt cx="1731035" cy="2337457"/>
           </a:xfrm>
         </p:grpSpPr>
         <p:pic>
@@ -4225,7 +4291,7 @@
             <p:cNvPr id="150" name="グラフィックス 20" descr="スマートフォン">
               <a:extLst>
                 <a:ext uri="{FF2B5EF4-FFF2-40B4-BE49-F238E27FC236}">
-                  <a16:creationId xmlns="" xmlns:a16="http://schemas.microsoft.com/office/drawing/2014/main" id="{AFB253F0-6C88-492D-9267-8D9D7459A37E}"/>
+                  <a16:creationId xmlns:a16="http://schemas.microsoft.com/office/drawing/2014/main" id="{AFB253F0-6C88-492D-9267-8D9D7459A37E}"/>
                 </a:ext>
               </a:extLst>
             </p:cNvPr>
@@ -4235,13 +4301,13 @@
             <p:nvPr/>
           </p:nvPicPr>
           <p:blipFill>
-            <a:blip r:embed="rId57">
+            <a:blip r:embed="rId20">
               <a:extLst>
                 <a:ext uri="{28A0092B-C50C-407E-A947-70E740481C1C}">
                   <a14:useLocalDpi xmlns:a14="http://schemas.microsoft.com/office/drawing/2010/main" val="0"/>
                 </a:ext>
                 <a:ext uri="{96DAC541-7B7A-43D3-8B79-37D633B846F1}">
-                  <asvg:svgBlip xmlns="" xmlns:asvg="http://schemas.microsoft.com/office/drawing/2016/SVG/main" r:embed="rId58"/>
+                  <asvg:svgBlip xmlns:asvg="http://schemas.microsoft.com/office/drawing/2016/SVG/main" r:embed="rId21"/>
                 </a:ext>
               </a:extLst>
             </a:blip>
@@ -4264,7 +4330,7 @@
             <p:cNvPr id="151" name="テキスト ボックス 150">
               <a:extLst>
                 <a:ext uri="{FF2B5EF4-FFF2-40B4-BE49-F238E27FC236}">
-                  <a16:creationId xmlns="" xmlns:a16="http://schemas.microsoft.com/office/drawing/2014/main" id="{EF1189B7-E475-4775-9965-BCBF8806546B}"/>
+                  <a16:creationId xmlns:a16="http://schemas.microsoft.com/office/drawing/2014/main" id="{EF1189B7-E475-4775-9965-BCBF8806546B}"/>
                 </a:ext>
               </a:extLst>
             </p:cNvPr>
@@ -4273,8 +4339,8 @@
           </p:nvSpPr>
           <p:spPr>
             <a:xfrm>
-              <a:off x="273470" y="2444094"/>
-              <a:ext cx="1005404" cy="338555"/>
+              <a:off x="-89345" y="2444094"/>
+              <a:ext cx="1731035" cy="582899"/>
             </a:xfrm>
             <a:prstGeom prst="rect">
               <a:avLst/>
@@ -4289,21 +4355,29 @@
             <a:p>
               <a:pPr algn="ctr"/>
               <a:r>
-                <a:rPr kumimoji="1" lang="ja-JP" altLang="en-US" sz="800" dirty="0"/>
+                <a:rPr kumimoji="1" lang="ja-JP" altLang="en-US" sz="800" dirty="0">
+                  <a:latin typeface="+mn-ea"/>
+                </a:rPr>
                 <a:t>卒</a:t>
               </a:r>
               <a:r>
-                <a:rPr kumimoji="1" lang="en-US" altLang="ja-JP" sz="800" dirty="0"/>
+                <a:rPr kumimoji="1" lang="en-US" altLang="ja-JP" sz="800" dirty="0">
+                  <a:latin typeface="+mn-ea"/>
+                </a:rPr>
                 <a:t>Aru</a:t>
               </a:r>
             </a:p>
             <a:p>
               <a:pPr algn="ctr"/>
               <a:r>
-                <a:rPr kumimoji="1" lang="ja-JP" altLang="en-US" sz="800" dirty="0"/>
+                <a:rPr kumimoji="1" lang="ja-JP" altLang="en-US" sz="800" dirty="0">
+                  <a:latin typeface="+mn-ea"/>
+                </a:rPr>
                 <a:t>アプリケーション</a:t>
               </a:r>
-              <a:endParaRPr kumimoji="1" lang="en-US" altLang="ja-JP" sz="800" dirty="0"/>
+              <a:endParaRPr kumimoji="1" lang="en-US" altLang="ja-JP" sz="800" dirty="0">
+                <a:latin typeface="+mn-ea"/>
+              </a:endParaRPr>
             </a:p>
           </p:txBody>
         </p:sp>
@@ -4312,7 +4386,7 @@
             <p:cNvPr id="152" name="図 151" descr="コンピュータ が含まれている画像&#10;&#10;自動的に生成された説明">
               <a:extLst>
                 <a:ext uri="{FF2B5EF4-FFF2-40B4-BE49-F238E27FC236}">
-                  <a16:creationId xmlns="" xmlns:a16="http://schemas.microsoft.com/office/drawing/2014/main" id="{E4F7C7F1-1C57-40DA-A5CE-E988EBB5BC5C}"/>
+                  <a16:creationId xmlns:a16="http://schemas.microsoft.com/office/drawing/2014/main" id="{E4F7C7F1-1C57-40DA-A5CE-E988EBB5BC5C}"/>
                 </a:ext>
               </a:extLst>
             </p:cNvPr>
@@ -4322,7 +4396,7 @@
             <p:nvPr/>
           </p:nvPicPr>
           <p:blipFill>
-            <a:blip r:embed="rId59">
+            <a:blip r:embed="rId22">
               <a:extLst>
                 <a:ext uri="{28A0092B-C50C-407E-A947-70E740481C1C}">
                   <a14:useLocalDpi xmlns:a14="http://schemas.microsoft.com/office/drawing/2010/main" val="0"/>
@@ -4363,7 +4437,7 @@
             <p:cNvPr id="154" name="Graphic 39">
               <a:extLst>
                 <a:ext uri="{FF2B5EF4-FFF2-40B4-BE49-F238E27FC236}">
-                  <a16:creationId xmlns:a16="http://schemas.microsoft.com/office/drawing/2014/main" xmlns="" id="{6FA71975-EA2D-784E-8A28-738A17320E91}"/>
+                  <a16:creationId xmlns:a16="http://schemas.microsoft.com/office/drawing/2014/main" id="{6FA71975-EA2D-784E-8A28-738A17320E91}"/>
                 </a:ext>
               </a:extLst>
             </p:cNvPr>
@@ -4373,10 +4447,10 @@
             <p:nvPr/>
           </p:nvPicPr>
           <p:blipFill>
-            <a:blip r:embed="rId60">
+            <a:blip r:embed="rId23">
               <a:extLst>
                 <a:ext uri="{96DAC541-7B7A-43D3-8B79-37D633B846F1}">
-                  <asvg:svgBlip xmlns:asvg="http://schemas.microsoft.com/office/drawing/2016/SVG/main" xmlns="" r:embed="rId61"/>
+                  <asvg:svgBlip xmlns:asvg="http://schemas.microsoft.com/office/drawing/2016/SVG/main" r:embed="rId24"/>
                 </a:ext>
               </a:extLst>
             </a:blip>
@@ -4399,7 +4473,7 @@
             <p:cNvPr id="155" name="TextBox 90">
               <a:extLst>
                 <a:ext uri="{FF2B5EF4-FFF2-40B4-BE49-F238E27FC236}">
-                  <a16:creationId xmlns:a16="http://schemas.microsoft.com/office/drawing/2014/main" xmlns="" id="{37743B23-AAC5-CC49-9C18-C68DBC507174}"/>
+                  <a16:creationId xmlns:a16="http://schemas.microsoft.com/office/drawing/2014/main" id="{37743B23-AAC5-CC49-9C18-C68DBC507174}"/>
                 </a:ext>
               </a:extLst>
             </p:cNvPr>
@@ -4424,10 +4498,11 @@
             <a:p>
               <a:pPr algn="ctr"/>
               <a:r>
-                <a:rPr lang="ja-JP" altLang="en-US" sz="1400" dirty="0" smtClean="0">
+                <a:rPr lang="ja-JP" altLang="en-US" sz="1400" dirty="0">
                   <a:solidFill>
                     <a:srgbClr val="232F3E"/>
                   </a:solidFill>
+                  <a:latin typeface="+mn-ea"/>
                 </a:rPr>
                 <a:t>担当者</a:t>
               </a:r>
@@ -4435,6 +4510,7 @@
                 <a:solidFill>
                   <a:srgbClr val="232F3E"/>
                 </a:solidFill>
+                <a:latin typeface="+mn-ea"/>
               </a:endParaRPr>
             </a:p>
           </p:txBody>
@@ -4445,7 +4521,7 @@
           <p:cNvPr id="158" name="四角形: 角を丸くする 12">
             <a:extLst>
               <a:ext uri="{FF2B5EF4-FFF2-40B4-BE49-F238E27FC236}">
-                <a16:creationId xmlns="" xmlns:a16="http://schemas.microsoft.com/office/drawing/2014/main" id="{AB91E3C5-0D38-44B5-8026-CB88520E356C}"/>
+                <a16:creationId xmlns:a16="http://schemas.microsoft.com/office/drawing/2014/main" id="{AB91E3C5-0D38-44B5-8026-CB88520E356C}"/>
               </a:ext>
             </a:extLst>
           </p:cNvPr>
@@ -4491,18 +4567,26 @@
           <a:p>
             <a:pPr algn="ctr"/>
             <a:r>
-              <a:rPr kumimoji="1" lang="ja-JP" altLang="en-US" sz="900" dirty="0"/>
+              <a:rPr kumimoji="1" lang="ja-JP" altLang="en-US" sz="900" dirty="0">
+                <a:latin typeface="+mn-ea"/>
+              </a:rPr>
               <a:t>サーバー</a:t>
             </a:r>
             <a:r>
-              <a:rPr lang="en-US" altLang="ja-JP" sz="900" dirty="0"/>
+              <a:rPr lang="en-US" altLang="ja-JP" sz="900" dirty="0">
+                <a:latin typeface="+mn-ea"/>
+              </a:rPr>
               <a:t> </a:t>
             </a:r>
             <a:r>
-              <a:rPr kumimoji="1" lang="ja-JP" altLang="en-US" sz="900" dirty="0"/>
+              <a:rPr kumimoji="1" lang="ja-JP" altLang="en-US" sz="900" dirty="0">
+                <a:latin typeface="+mn-ea"/>
+              </a:rPr>
               <a:t>プログラム</a:t>
             </a:r>
-            <a:endParaRPr kumimoji="1" lang="en-US" altLang="ja-JP" sz="900" dirty="0"/>
+            <a:endParaRPr kumimoji="1" lang="en-US" altLang="ja-JP" sz="900" dirty="0">
+              <a:latin typeface="+mn-ea"/>
+            </a:endParaRPr>
           </a:p>
         </p:txBody>
       </p:sp>
@@ -4511,7 +4595,7 @@
           <p:cNvPr id="159" name="四角形: 角を丸くする 12">
             <a:extLst>
               <a:ext uri="{FF2B5EF4-FFF2-40B4-BE49-F238E27FC236}">
-                <a16:creationId xmlns="" xmlns:a16="http://schemas.microsoft.com/office/drawing/2014/main" id="{AB91E3C5-0D38-44B5-8026-CB88520E356C}"/>
+                <a16:creationId xmlns:a16="http://schemas.microsoft.com/office/drawing/2014/main" id="{AB91E3C5-0D38-44B5-8026-CB88520E356C}"/>
               </a:ext>
             </a:extLst>
           </p:cNvPr>
@@ -4557,10 +4641,14 @@
           <a:p>
             <a:pPr algn="ctr"/>
             <a:r>
-              <a:rPr kumimoji="1" lang="ja-JP" altLang="en-US" sz="900" dirty="0" smtClean="0"/>
+              <a:rPr kumimoji="1" lang="ja-JP" altLang="en-US" sz="900" dirty="0">
+                <a:latin typeface="+mn-ea"/>
+              </a:rPr>
               <a:t>データベース</a:t>
             </a:r>
-            <a:endParaRPr kumimoji="1" lang="en-US" altLang="ja-JP" sz="900" dirty="0"/>
+            <a:endParaRPr kumimoji="1" lang="en-US" altLang="ja-JP" sz="900" dirty="0">
+              <a:latin typeface="+mn-ea"/>
+            </a:endParaRPr>
           </a:p>
         </p:txBody>
       </p:sp>
@@ -4569,7 +4657,7 @@
           <p:cNvPr id="161" name="四角形: 角を丸くする 12">
             <a:extLst>
               <a:ext uri="{FF2B5EF4-FFF2-40B4-BE49-F238E27FC236}">
-                <a16:creationId xmlns="" xmlns:a16="http://schemas.microsoft.com/office/drawing/2014/main" id="{AB91E3C5-0D38-44B5-8026-CB88520E356C}"/>
+                <a16:creationId xmlns:a16="http://schemas.microsoft.com/office/drawing/2014/main" id="{AB91E3C5-0D38-44B5-8026-CB88520E356C}"/>
               </a:ext>
             </a:extLst>
           </p:cNvPr>
@@ -4615,11 +4703,15 @@
           <a:p>
             <a:pPr algn="ctr"/>
             <a:r>
-              <a:rPr kumimoji="1" lang="ja-JP" altLang="ja-JP" sz="900" dirty="0" smtClean="0"/>
+              <a:rPr kumimoji="1" lang="ja-JP" altLang="ja-JP" sz="900" dirty="0">
+                <a:latin typeface="+mn-ea"/>
+              </a:rPr>
               <a:t>C</a:t>
             </a:r>
             <a:r>
-              <a:rPr kumimoji="1" lang="en-US" altLang="ja-JP" sz="900" dirty="0" smtClean="0"/>
+              <a:rPr kumimoji="1" lang="en-US" altLang="ja-JP" sz="900" dirty="0">
+                <a:latin typeface="+mn-ea"/>
+              </a:rPr>
               <a:t>DN *</a:t>
             </a:r>
           </a:p>
@@ -4630,7 +4722,7 @@
           <p:cNvPr id="162" name="四角形: 角を丸くする 12">
             <a:extLst>
               <a:ext uri="{FF2B5EF4-FFF2-40B4-BE49-F238E27FC236}">
-                <a16:creationId xmlns="" xmlns:a16="http://schemas.microsoft.com/office/drawing/2014/main" id="{AB91E3C5-0D38-44B5-8026-CB88520E356C}"/>
+                <a16:creationId xmlns:a16="http://schemas.microsoft.com/office/drawing/2014/main" id="{AB91E3C5-0D38-44B5-8026-CB88520E356C}"/>
               </a:ext>
             </a:extLst>
           </p:cNvPr>
@@ -4676,10 +4768,14 @@
           <a:p>
             <a:pPr algn="ctr"/>
             <a:r>
-              <a:rPr kumimoji="1" lang="ja-JP" altLang="en-US" sz="900" dirty="0" smtClean="0"/>
+              <a:rPr kumimoji="1" lang="ja-JP" altLang="en-US" sz="900" dirty="0">
+                <a:latin typeface="+mn-ea"/>
+              </a:rPr>
               <a:t>ストレージ</a:t>
             </a:r>
-            <a:endParaRPr kumimoji="1" lang="en-US" altLang="ja-JP" sz="900" dirty="0"/>
+            <a:endParaRPr kumimoji="1" lang="en-US" altLang="ja-JP" sz="900" dirty="0">
+              <a:latin typeface="+mn-ea"/>
+            </a:endParaRPr>
           </a:p>
         </p:txBody>
       </p:sp>
@@ -4688,7 +4784,7 @@
           <p:cNvPr id="171" name="テキスト ボックス 170">
             <a:extLst>
               <a:ext uri="{FF2B5EF4-FFF2-40B4-BE49-F238E27FC236}">
-                <a16:creationId xmlns="" xmlns:a16="http://schemas.microsoft.com/office/drawing/2014/main" id="{53B5F1C2-D2DD-4558-A5C0-0B0B29144BF5}"/>
+                <a16:creationId xmlns:a16="http://schemas.microsoft.com/office/drawing/2014/main" id="{53B5F1C2-D2DD-4558-A5C0-0B0B29144BF5}"/>
               </a:ext>
             </a:extLst>
           </p:cNvPr>
@@ -4716,6 +4812,7 @@
                 <a:solidFill>
                   <a:srgbClr val="00A0E7"/>
                 </a:solidFill>
+                <a:latin typeface="+mn-ea"/>
               </a:rPr>
               <a:t>※ CDN</a:t>
             </a:r>
@@ -4724,6 +4821,7 @@
                 <a:solidFill>
                   <a:srgbClr val="00A0E7"/>
                 </a:solidFill>
+                <a:latin typeface="+mn-ea"/>
               </a:rPr>
               <a:t>：</a:t>
             </a:r>
@@ -4732,32 +4830,18 @@
                 <a:solidFill>
                   <a:srgbClr val="00A0E7"/>
                 </a:solidFill>
+                <a:latin typeface="+mn-ea"/>
               </a:rPr>
-              <a:t>Contents Delivery </a:t>
-            </a:r>
-            <a:r>
-              <a:rPr kumimoji="1" lang="en-US" altLang="ja-JP" sz="800" dirty="0" smtClean="0">
-                <a:solidFill>
-                  <a:srgbClr val="00A0E7"/>
-                </a:solidFill>
-              </a:rPr>
-              <a:t>Network</a:t>
-            </a:r>
-            <a:r>
-              <a:rPr kumimoji="1" lang="ja-JP" altLang="en-US" sz="800" dirty="0" smtClean="0">
-                <a:solidFill>
-                  <a:srgbClr val="00A0E7"/>
-                </a:solidFill>
-              </a:rPr>
-              <a:t>。動画</a:t>
+              <a:t>Contents Delivery Network</a:t>
             </a:r>
             <a:r>
               <a:rPr kumimoji="1" lang="ja-JP" altLang="en-US" sz="800" dirty="0">
                 <a:solidFill>
                   <a:srgbClr val="00A0E7"/>
                 </a:solidFill>
+                <a:latin typeface="+mn-ea"/>
               </a:rPr>
-              <a:t>や画像をキャッシュとして保存するサービス（パフォーマンス対策）</a:t>
+              <a:t>。動画や画像をキャッシュとして保存するサービス（パフォーマンス対策）</a:t>
             </a:r>
           </a:p>
         </p:txBody>
@@ -4816,7 +4900,9 @@
             <a:lstStyle/>
             <a:p>
               <a:pPr algn="ctr"/>
-              <a:endParaRPr kumimoji="1" lang="ja-JP" altLang="en-US"/>
+              <a:endParaRPr kumimoji="1" lang="ja-JP" altLang="en-US">
+                <a:latin typeface="+mn-ea"/>
+              </a:endParaRPr>
             </a:p>
           </p:txBody>
         </p:sp>
@@ -4825,7 +4911,7 @@
             <p:cNvPr id="40" name="Graphic 23">
               <a:extLst>
                 <a:ext uri="{FF2B5EF4-FFF2-40B4-BE49-F238E27FC236}">
-                  <a16:creationId xmlns:a16="http://schemas.microsoft.com/office/drawing/2014/main" xmlns="" id="{5F43C684-E7CD-7B41-ACA7-B11152EF7F46}"/>
+                  <a16:creationId xmlns:a16="http://schemas.microsoft.com/office/drawing/2014/main" id="{5F43C684-E7CD-7B41-ACA7-B11152EF7F46}"/>
                 </a:ext>
               </a:extLst>
             </p:cNvPr>
@@ -4835,10 +4921,10 @@
             <p:nvPr/>
           </p:nvPicPr>
           <p:blipFill>
-            <a:blip r:embed="rId62">
+            <a:blip r:embed="rId25">
               <a:extLst>
                 <a:ext uri="{96DAC541-7B7A-43D3-8B79-37D633B846F1}">
-                  <asvg:svgBlip xmlns:asvg="http://schemas.microsoft.com/office/drawing/2016/SVG/main" xmlns="" r:embed="rId17"/>
+                  <asvg:svgBlip xmlns:asvg="http://schemas.microsoft.com/office/drawing/2016/SVG/main" r:embed="rId26"/>
                 </a:ext>
               </a:extLst>
             </a:blip>
@@ -4861,7 +4947,7 @@
             <p:cNvPr id="41" name="TextBox 72">
               <a:extLst>
                 <a:ext uri="{FF2B5EF4-FFF2-40B4-BE49-F238E27FC236}">
-                  <a16:creationId xmlns:a16="http://schemas.microsoft.com/office/drawing/2014/main" xmlns="" id="{2E08DBCE-1ACF-424F-814D-23C461589D8E}"/>
+                  <a16:creationId xmlns:a16="http://schemas.microsoft.com/office/drawing/2014/main" id="{2E08DBCE-1ACF-424F-814D-23C461589D8E}"/>
                 </a:ext>
               </a:extLst>
             </p:cNvPr>
@@ -4890,6 +4976,7 @@
                   <a:solidFill>
                     <a:srgbClr val="232F3E"/>
                   </a:solidFill>
+                  <a:latin typeface="+mn-ea"/>
                 </a:rPr>
                 <a:t>Multimedia</a:t>
               </a:r>
@@ -4916,7 +5003,7 @@
             <p:cNvPr id="46" name="TextBox 8">
               <a:extLst>
                 <a:ext uri="{FF2B5EF4-FFF2-40B4-BE49-F238E27FC236}">
-                  <a16:creationId xmlns:a16="http://schemas.microsoft.com/office/drawing/2014/main" xmlns="" id="{EE5AD722-65A2-3441-BC67-C1ED5707E6E2}"/>
+                  <a16:creationId xmlns:a16="http://schemas.microsoft.com/office/drawing/2014/main" id="{EE5AD722-65A2-3441-BC67-C1ED5707E6E2}"/>
                 </a:ext>
               </a:extLst>
             </p:cNvPr>
@@ -4941,21 +5028,22 @@
             <a:p>
               <a:pPr algn="ctr"/>
               <a:r>
-                <a:rPr lang="en-US" sz="1100" dirty="0"/>
+                <a:rPr lang="en-US" sz="1100" dirty="0">
+                  <a:latin typeface="+mn-ea"/>
+                </a:rPr>
                 <a:t>Amazon </a:t>
               </a:r>
-              <a:r>
-                <a:rPr lang="en-US" sz="1100" dirty="0" smtClean="0"/>
-                <a:t/>
-              </a:r>
               <a:br>
-                <a:rPr lang="en-US" sz="1100" dirty="0" smtClean="0"/>
+                <a:rPr lang="en-US" sz="1100" dirty="0">
+                  <a:latin typeface="+mn-ea"/>
+                </a:rPr>
               </a:br>
               <a:r>
-                <a:rPr lang="en-US" sz="1100" dirty="0" smtClean="0"/>
+                <a:rPr lang="en-US" sz="1100" dirty="0">
+                  <a:latin typeface="+mn-ea"/>
+                </a:rPr>
                 <a:t>CloudFront</a:t>
               </a:r>
-              <a:endParaRPr lang="en-US" sz="1100" dirty="0"/>
             </a:p>
           </p:txBody>
         </p:sp>
@@ -4964,7 +5052,7 @@
             <p:cNvPr id="47" name="Graphic 33">
               <a:extLst>
                 <a:ext uri="{FF2B5EF4-FFF2-40B4-BE49-F238E27FC236}">
-                  <a16:creationId xmlns:a16="http://schemas.microsoft.com/office/drawing/2014/main" xmlns="" id="{239FDEEB-7049-3C46-AD29-71A07202049A}"/>
+                  <a16:creationId xmlns:a16="http://schemas.microsoft.com/office/drawing/2014/main" id="{239FDEEB-7049-3C46-AD29-71A07202049A}"/>
                 </a:ext>
               </a:extLst>
             </p:cNvPr>
@@ -4974,10 +5062,10 @@
             <p:nvPr/>
           </p:nvPicPr>
           <p:blipFill>
-            <a:blip r:embed="rId63">
+            <a:blip r:embed="rId27">
               <a:extLst>
                 <a:ext uri="{96DAC541-7B7A-43D3-8B79-37D633B846F1}">
-                  <asvg:svgBlip xmlns:asvg="http://schemas.microsoft.com/office/drawing/2016/SVG/main" xmlns="" r:embed="rId16"/>
+                  <asvg:svgBlip xmlns:asvg="http://schemas.microsoft.com/office/drawing/2016/SVG/main" r:embed="rId28"/>
                 </a:ext>
               </a:extLst>
             </a:blip>
@@ -5044,6 +5132,7 @@
               <a:solidFill>
                 <a:schemeClr val="tx1"/>
               </a:solidFill>
+              <a:latin typeface="+mn-ea"/>
             </a:endParaRPr>
           </a:p>
         </p:txBody>
@@ -5096,6 +5185,7 @@
               <a:solidFill>
                 <a:schemeClr val="tx1"/>
               </a:solidFill>
+              <a:latin typeface="+mn-ea"/>
             </a:endParaRPr>
           </a:p>
         </p:txBody>
@@ -5119,7 +5209,7 @@
             <p:cNvPr id="170" name="テキスト ボックス 169">
               <a:extLst>
                 <a:ext uri="{FF2B5EF4-FFF2-40B4-BE49-F238E27FC236}">
-                  <a16:creationId xmlns="" xmlns:a16="http://schemas.microsoft.com/office/drawing/2014/main" id="{F36FAC6B-786F-4F6B-A05E-64B58775767C}"/>
+                  <a16:creationId xmlns:a16="http://schemas.microsoft.com/office/drawing/2014/main" id="{F36FAC6B-786F-4F6B-A05E-64B58775767C}"/>
                 </a:ext>
               </a:extLst>
             </p:cNvPr>
@@ -5143,26 +5233,20 @@
             <a:lstStyle/>
             <a:p>
               <a:r>
-                <a:rPr kumimoji="1" lang="ja-JP" altLang="en-US" sz="1100" dirty="0" smtClean="0">
-                  <a:solidFill>
-                    <a:srgbClr val="00A0E7"/>
-                  </a:solidFill>
-                </a:rPr>
-                <a:t>ストレージ</a:t>
-              </a:r>
-              <a:r>
                 <a:rPr kumimoji="1" lang="ja-JP" altLang="en-US" sz="1100" dirty="0">
                   <a:solidFill>
                     <a:srgbClr val="00A0E7"/>
                   </a:solidFill>
+                  <a:latin typeface="+mn-ea"/>
                 </a:rPr>
-                <a:t>には</a:t>
+                <a:t>ストレージには</a:t>
               </a:r>
               <a:r>
                 <a:rPr kumimoji="1" lang="en-US" altLang="ja-JP" sz="1100" dirty="0">
                   <a:solidFill>
                     <a:srgbClr val="00A0E7"/>
                   </a:solidFill>
+                  <a:latin typeface="+mn-ea"/>
                 </a:rPr>
                 <a:t>CDN</a:t>
               </a:r>
@@ -5171,38 +5255,10 @@
                   <a:solidFill>
                     <a:srgbClr val="00A0E7"/>
                   </a:solidFill>
+                  <a:latin typeface="+mn-ea"/>
                 </a:rPr>
-                <a:t>経由でしか</a:t>
+                <a:t>経由でしかアクセスができません。</a:t>
               </a:r>
-              <a:r>
-                <a:rPr kumimoji="1" lang="ja-JP" altLang="en-US" sz="1100" dirty="0" smtClean="0">
-                  <a:solidFill>
-                    <a:srgbClr val="00A0E7"/>
-                  </a:solidFill>
-                </a:rPr>
-                <a:t>アクセス</a:t>
-              </a:r>
-              <a:r>
-                <a:rPr kumimoji="1" lang="ja-JP" altLang="en-US" sz="1100" dirty="0">
-                  <a:solidFill>
-                    <a:srgbClr val="00A0E7"/>
-                  </a:solidFill>
-                </a:rPr>
-                <a:t>が</a:t>
-              </a:r>
-              <a:r>
-                <a:rPr kumimoji="1" lang="ja-JP" altLang="en-US" sz="1100" dirty="0" smtClean="0">
-                  <a:solidFill>
-                    <a:srgbClr val="00A0E7"/>
-                  </a:solidFill>
-                </a:rPr>
-                <a:t>できません。</a:t>
-              </a:r>
-              <a:endParaRPr kumimoji="1" lang="ja-JP" altLang="en-US" sz="1100" dirty="0">
-                <a:solidFill>
-                  <a:srgbClr val="00A0E7"/>
-                </a:solidFill>
-              </a:endParaRPr>
             </a:p>
           </p:txBody>
         </p:sp>
@@ -5211,7 +5267,7 @@
             <p:cNvPr id="172" name="テキスト ボックス 171">
               <a:extLst>
                 <a:ext uri="{FF2B5EF4-FFF2-40B4-BE49-F238E27FC236}">
-                  <a16:creationId xmlns="" xmlns:a16="http://schemas.microsoft.com/office/drawing/2014/main" id="{C0B298B8-BA89-4BCF-9966-BA54BE76529C}"/>
+                  <a16:creationId xmlns:a16="http://schemas.microsoft.com/office/drawing/2014/main" id="{C0B298B8-BA89-4BCF-9966-BA54BE76529C}"/>
                 </a:ext>
               </a:extLst>
             </p:cNvPr>
@@ -5235,34 +5291,14 @@
             <a:lstStyle/>
             <a:p>
               <a:r>
-                <a:rPr kumimoji="1" lang="ja-JP" altLang="en-US" sz="1100" dirty="0" smtClean="0">
-                  <a:solidFill>
-                    <a:srgbClr val="00A0E7"/>
-                  </a:solidFill>
-                </a:rPr>
-                <a:t>画像</a:t>
-              </a:r>
-              <a:r>
                 <a:rPr kumimoji="1" lang="ja-JP" altLang="en-US" sz="1100" dirty="0">
                   <a:solidFill>
                     <a:srgbClr val="00A0E7"/>
                   </a:solidFill>
+                  <a:latin typeface="+mn-ea"/>
                 </a:rPr>
-                <a:t>および動画はネットワーク上のストレージに格納されて</a:t>
+                <a:t>画像および動画はネットワーク上のストレージに格納されています。</a:t>
               </a:r>
-              <a:r>
-                <a:rPr kumimoji="1" lang="ja-JP" altLang="en-US" sz="1100" dirty="0" smtClean="0">
-                  <a:solidFill>
-                    <a:srgbClr val="00A0E7"/>
-                  </a:solidFill>
-                </a:rPr>
-                <a:t>います。</a:t>
-              </a:r>
-              <a:endParaRPr kumimoji="1" lang="ja-JP" altLang="en-US" sz="1100" dirty="0">
-                <a:solidFill>
-                  <a:srgbClr val="00A0E7"/>
-                </a:solidFill>
-              </a:endParaRPr>
             </a:p>
           </p:txBody>
         </p:sp>
@@ -5289,18 +5325,14 @@
             <a:lstStyle/>
             <a:p>
               <a:r>
-                <a:rPr kumimoji="1" lang="ja-JP" altLang="en-US" sz="1100" dirty="0" smtClean="0">
+                <a:rPr kumimoji="1" lang="ja-JP" altLang="en-US" sz="1100" dirty="0">
                   <a:solidFill>
                     <a:srgbClr val="00A0E7"/>
                   </a:solidFill>
+                  <a:latin typeface="+mn-ea"/>
                 </a:rPr>
                 <a:t>・</a:t>
               </a:r>
-              <a:endParaRPr kumimoji="1" lang="ja-JP" altLang="en-US" sz="1100" dirty="0">
-                <a:solidFill>
-                  <a:srgbClr val="00A0E7"/>
-                </a:solidFill>
-              </a:endParaRPr>
             </a:p>
           </p:txBody>
         </p:sp>
@@ -5327,18 +5359,14 @@
             <a:lstStyle/>
             <a:p>
               <a:r>
-                <a:rPr kumimoji="1" lang="ja-JP" altLang="en-US" sz="1100" dirty="0" smtClean="0">
+                <a:rPr kumimoji="1" lang="ja-JP" altLang="en-US" sz="1100" dirty="0">
                   <a:solidFill>
                     <a:srgbClr val="00A0E7"/>
                   </a:solidFill>
+                  <a:latin typeface="+mn-ea"/>
                 </a:rPr>
                 <a:t>・</a:t>
               </a:r>
-              <a:endParaRPr kumimoji="1" lang="ja-JP" altLang="en-US" sz="1100" dirty="0">
-                <a:solidFill>
-                  <a:srgbClr val="00A0E7"/>
-                </a:solidFill>
-              </a:endParaRPr>
             </a:p>
           </p:txBody>
         </p:sp>
@@ -5362,7 +5390,7 @@
             <p:cNvPr id="56" name="TextBox 8">
               <a:extLst>
                 <a:ext uri="{FF2B5EF4-FFF2-40B4-BE49-F238E27FC236}">
-                  <a16:creationId xmlns:a16="http://schemas.microsoft.com/office/drawing/2014/main" xmlns="" id="{D7ECF936-B8F2-B944-B1E5-0DC7D3F9AAB9}"/>
+                  <a16:creationId xmlns:a16="http://schemas.microsoft.com/office/drawing/2014/main" id="{D7ECF936-B8F2-B944-B1E5-0DC7D3F9AAB9}"/>
                 </a:ext>
               </a:extLst>
             </p:cNvPr>
@@ -5387,7 +5415,9 @@
             <a:p>
               <a:pPr algn="ctr"/>
               <a:r>
-                <a:rPr lang="en-US" sz="1100" dirty="0"/>
+                <a:rPr lang="en-US" sz="1100" dirty="0">
+                  <a:latin typeface="+mn-ea"/>
+                </a:rPr>
                 <a:t>AWS WAF</a:t>
               </a:r>
             </a:p>
@@ -5398,7 +5428,7 @@
             <p:cNvPr id="57" name="Graphic 26">
               <a:extLst>
                 <a:ext uri="{FF2B5EF4-FFF2-40B4-BE49-F238E27FC236}">
-                  <a16:creationId xmlns:a16="http://schemas.microsoft.com/office/drawing/2014/main" xmlns="" id="{6474A222-3CF8-3F41-AB6E-29E3FCA4874B}"/>
+                  <a16:creationId xmlns:a16="http://schemas.microsoft.com/office/drawing/2014/main" id="{6474A222-3CF8-3F41-AB6E-29E3FCA4874B}"/>
                 </a:ext>
               </a:extLst>
             </p:cNvPr>
@@ -5408,10 +5438,10 @@
             <p:nvPr/>
           </p:nvPicPr>
           <p:blipFill>
-            <a:blip r:embed="rId27">
+            <a:blip r:embed="rId12">
               <a:extLst>
                 <a:ext uri="{96DAC541-7B7A-43D3-8B79-37D633B846F1}">
-                  <asvg:svgBlip xmlns:asvg="http://schemas.microsoft.com/office/drawing/2016/SVG/main" xmlns="" r:embed="rId9"/>
+                  <asvg:svgBlip xmlns:asvg="http://schemas.microsoft.com/office/drawing/2016/SVG/main" r:embed="rId13"/>
                 </a:ext>
               </a:extLst>
             </a:blip>
@@ -5474,7 +5504,9 @@
           <a:lstStyle/>
           <a:p>
             <a:pPr algn="ctr"/>
-            <a:endParaRPr kumimoji="1" lang="ja-JP" altLang="en-US"/>
+            <a:endParaRPr kumimoji="1" lang="ja-JP" altLang="en-US">
+              <a:latin typeface="+mn-ea"/>
+            </a:endParaRPr>
           </a:p>
         </p:txBody>
       </p:sp>
@@ -5497,7 +5529,7 @@
             <p:cNvPr id="157" name="テキスト ボックス 156">
               <a:extLst>
                 <a:ext uri="{FF2B5EF4-FFF2-40B4-BE49-F238E27FC236}">
-                  <a16:creationId xmlns="" xmlns:a16="http://schemas.microsoft.com/office/drawing/2014/main" id="{D55DB72E-8959-4FBE-BE9A-9E63B68FF12D}"/>
+                  <a16:creationId xmlns:a16="http://schemas.microsoft.com/office/drawing/2014/main" id="{D55DB72E-8959-4FBE-BE9A-9E63B68FF12D}"/>
                 </a:ext>
               </a:extLst>
             </p:cNvPr>
@@ -5525,6 +5557,7 @@
                   <a:solidFill>
                     <a:srgbClr val="00A0E7"/>
                   </a:solidFill>
+                  <a:latin typeface="+mn-ea"/>
                 </a:rPr>
                 <a:t>WAF</a:t>
               </a:r>
@@ -5533,6 +5566,7 @@
                   <a:solidFill>
                     <a:srgbClr val="00A0E7"/>
                   </a:solidFill>
+                  <a:latin typeface="+mn-ea"/>
                 </a:rPr>
                 <a:t>（</a:t>
               </a:r>
@@ -5541,6 +5575,7 @@
                   <a:solidFill>
                     <a:srgbClr val="00A0E7"/>
                   </a:solidFill>
+                  <a:latin typeface="+mn-ea"/>
                 </a:rPr>
                 <a:t>Web Application Firewall </a:t>
               </a:r>
@@ -5549,36 +5584,23 @@
                   <a:solidFill>
                     <a:srgbClr val="00A0E7"/>
                   </a:solidFill>
+                  <a:latin typeface="+mn-ea"/>
                 </a:rPr>
-                <a:t>）により不正なアクセスを防止</a:t>
-              </a:r>
-              <a:r>
-                <a:rPr kumimoji="1" lang="ja-JP" altLang="en-US" sz="1100" dirty="0" smtClean="0">
-                  <a:solidFill>
-                    <a:srgbClr val="00A0E7"/>
-                  </a:solidFill>
-                </a:rPr>
-                <a:t>します。</a:t>
-              </a:r>
-              <a:r>
-                <a:rPr kumimoji="1" lang="en-US" altLang="ja-JP" sz="1100" dirty="0">
-                  <a:solidFill>
-                    <a:srgbClr val="00A0E7"/>
-                  </a:solidFill>
-                </a:rPr>
-                <a:t/>
+                <a:t>）により不正なアクセスを防止します。</a:t>
               </a:r>
               <a:br>
                 <a:rPr kumimoji="1" lang="en-US" altLang="ja-JP" sz="1100" dirty="0">
                   <a:solidFill>
                     <a:srgbClr val="00A0E7"/>
                   </a:solidFill>
+                  <a:latin typeface="+mn-ea"/>
                 </a:rPr>
               </a:br>
               <a:endParaRPr kumimoji="1" lang="ja-JP" altLang="en-US" sz="1100" dirty="0">
                 <a:solidFill>
                   <a:srgbClr val="00A0E7"/>
                 </a:solidFill>
+                <a:latin typeface="+mn-ea"/>
               </a:endParaRPr>
             </a:p>
           </p:txBody>
@@ -5606,18 +5628,14 @@
             <a:lstStyle/>
             <a:p>
               <a:r>
-                <a:rPr kumimoji="1" lang="ja-JP" altLang="en-US" sz="1100" dirty="0" smtClean="0">
+                <a:rPr kumimoji="1" lang="ja-JP" altLang="en-US" sz="1100" dirty="0">
                   <a:solidFill>
                     <a:srgbClr val="00A0E7"/>
                   </a:solidFill>
+                  <a:latin typeface="+mn-ea"/>
                 </a:rPr>
                 <a:t>・</a:t>
               </a:r>
-              <a:endParaRPr kumimoji="1" lang="ja-JP" altLang="en-US" sz="1100" dirty="0">
-                <a:solidFill>
-                  <a:srgbClr val="00A0E7"/>
-                </a:solidFill>
-              </a:endParaRPr>
             </a:p>
           </p:txBody>
         </p:sp>
@@ -5662,29 +5680,15 @@
                   <a:solidFill>
                     <a:srgbClr val="00A0E7"/>
                   </a:solidFill>
+                  <a:latin typeface="+mn-ea"/>
                 </a:rPr>
-                <a:t>個人情報</a:t>
-              </a:r>
-              <a:r>
-                <a:rPr kumimoji="1" lang="ja-JP" altLang="en-US" sz="1100" dirty="0" smtClean="0">
-                  <a:solidFill>
-                    <a:srgbClr val="00A0E7"/>
-                  </a:solidFill>
-                </a:rPr>
-                <a:t>などは一切</a:t>
-              </a:r>
-              <a:r>
-                <a:rPr kumimoji="1" lang="ja-JP" altLang="en-US" sz="1100" dirty="0">
-                  <a:solidFill>
-                    <a:srgbClr val="00A0E7"/>
-                  </a:solidFill>
-                </a:rPr>
-                <a:t>格納しておりません。</a:t>
+                <a:t>個人情報などは一切格納しておりません。</a:t>
               </a:r>
               <a:endParaRPr kumimoji="1" lang="en-US" altLang="ja-JP" sz="1100" dirty="0">
                 <a:solidFill>
                   <a:srgbClr val="00A0E7"/>
                 </a:solidFill>
+                <a:latin typeface="+mn-ea"/>
               </a:endParaRPr>
             </a:p>
             <a:p>
@@ -5693,6 +5697,7 @@
                   <a:solidFill>
                     <a:srgbClr val="00A0E7"/>
                   </a:solidFill>
+                  <a:latin typeface="+mn-ea"/>
                 </a:rPr>
                 <a:t>画像および動画を格納しているストレージの</a:t>
               </a:r>
@@ -5701,6 +5706,7 @@
                   <a:solidFill>
                     <a:srgbClr val="00A0E7"/>
                   </a:solidFill>
+                  <a:latin typeface="+mn-ea"/>
                 </a:rPr>
                 <a:t>URL</a:t>
               </a:r>
@@ -5709,6 +5715,7 @@
                   <a:solidFill>
                     <a:srgbClr val="00A0E7"/>
                   </a:solidFill>
+                  <a:latin typeface="+mn-ea"/>
                 </a:rPr>
                 <a:t>情報を暗号化（ハッシュ化）して保持しております。</a:t>
               </a:r>
@@ -5716,6 +5723,7 @@
                 <a:solidFill>
                   <a:srgbClr val="00A0E7"/>
                 </a:solidFill>
+                <a:latin typeface="+mn-ea"/>
               </a:endParaRPr>
             </a:p>
             <a:p>
@@ -5724,6 +5732,7 @@
                   <a:solidFill>
                     <a:srgbClr val="00A0E7"/>
                   </a:solidFill>
+                  <a:latin typeface="+mn-ea"/>
                 </a:rPr>
                 <a:t>暗号化方式が解らない限り、</a:t>
               </a:r>
@@ -5732,6 +5741,7 @@
                   <a:solidFill>
                     <a:srgbClr val="00A0E7"/>
                   </a:solidFill>
+                  <a:latin typeface="+mn-ea"/>
                 </a:rPr>
                 <a:t>URL</a:t>
               </a:r>
@@ -5740,6 +5750,7 @@
                   <a:solidFill>
                     <a:srgbClr val="00A0E7"/>
                   </a:solidFill>
+                  <a:latin typeface="+mn-ea"/>
                 </a:rPr>
                 <a:t>の情報を解読することはできません。</a:t>
               </a:r>
@@ -5769,18 +5780,14 @@
             <a:lstStyle/>
             <a:p>
               <a:r>
-                <a:rPr kumimoji="1" lang="ja-JP" altLang="en-US" sz="1100" dirty="0" smtClean="0">
+                <a:rPr kumimoji="1" lang="ja-JP" altLang="en-US" sz="1100" dirty="0">
                   <a:solidFill>
                     <a:srgbClr val="00A0E7"/>
                   </a:solidFill>
+                  <a:latin typeface="+mn-ea"/>
                 </a:rPr>
                 <a:t>・</a:t>
               </a:r>
-              <a:endParaRPr kumimoji="1" lang="ja-JP" altLang="en-US" sz="1100" dirty="0">
-                <a:solidFill>
-                  <a:srgbClr val="00A0E7"/>
-                </a:solidFill>
-              </a:endParaRPr>
             </a:p>
           </p:txBody>
         </p:sp>
@@ -5807,18 +5814,14 @@
             <a:lstStyle/>
             <a:p>
               <a:r>
-                <a:rPr kumimoji="1" lang="ja-JP" altLang="en-US" sz="1100" dirty="0" smtClean="0">
+                <a:rPr kumimoji="1" lang="ja-JP" altLang="en-US" sz="1100" dirty="0">
                   <a:solidFill>
                     <a:srgbClr val="00A0E7"/>
                   </a:solidFill>
+                  <a:latin typeface="+mn-ea"/>
                 </a:rPr>
                 <a:t>・</a:t>
               </a:r>
-              <a:endParaRPr kumimoji="1" lang="ja-JP" altLang="en-US" sz="1100" dirty="0">
-                <a:solidFill>
-                  <a:srgbClr val="00A0E7"/>
-                </a:solidFill>
-              </a:endParaRPr>
             </a:p>
           </p:txBody>
         </p:sp>
@@ -5845,18 +5848,14 @@
             <a:lstStyle/>
             <a:p>
               <a:r>
-                <a:rPr kumimoji="1" lang="ja-JP" altLang="en-US" sz="1100" dirty="0" smtClean="0">
+                <a:rPr kumimoji="1" lang="ja-JP" altLang="en-US" sz="1100" dirty="0">
                   <a:solidFill>
                     <a:srgbClr val="00A0E7"/>
                   </a:solidFill>
+                  <a:latin typeface="+mn-ea"/>
                 </a:rPr>
                 <a:t>・</a:t>
               </a:r>
-              <a:endParaRPr kumimoji="1" lang="ja-JP" altLang="en-US" sz="1100" dirty="0">
-                <a:solidFill>
-                  <a:srgbClr val="00A0E7"/>
-                </a:solidFill>
-              </a:endParaRPr>
             </a:p>
           </p:txBody>
         </p:sp>
@@ -5880,7 +5879,7 @@
             <p:cNvPr id="168" name="テキスト ボックス 167">
               <a:extLst>
                 <a:ext uri="{FF2B5EF4-FFF2-40B4-BE49-F238E27FC236}">
-                  <a16:creationId xmlns="" xmlns:a16="http://schemas.microsoft.com/office/drawing/2014/main" id="{0A84D591-42EA-46D4-8D07-501EF15EA2CE}"/>
+                  <a16:creationId xmlns:a16="http://schemas.microsoft.com/office/drawing/2014/main" id="{0A84D591-42EA-46D4-8D07-501EF15EA2CE}"/>
                 </a:ext>
               </a:extLst>
             </p:cNvPr>
@@ -5908,6 +5907,7 @@
                   <a:solidFill>
                     <a:srgbClr val="00A0E7"/>
                   </a:solidFill>
+                  <a:latin typeface="+mn-ea"/>
                 </a:rPr>
                 <a:t>データベースには、卒</a:t>
               </a:r>
@@ -5916,6 +5916,7 @@
                   <a:solidFill>
                     <a:srgbClr val="00A0E7"/>
                   </a:solidFill>
+                  <a:latin typeface="+mn-ea"/>
                 </a:rPr>
                 <a:t>ARu</a:t>
               </a:r>
@@ -5924,6 +5925,7 @@
                   <a:solidFill>
                     <a:srgbClr val="00A0E7"/>
                   </a:solidFill>
+                  <a:latin typeface="+mn-ea"/>
                 </a:rPr>
                 <a:t>専用のサーバープログラムからしかアクセスができません。</a:t>
               </a:r>
@@ -5953,18 +5955,14 @@
             <a:lstStyle/>
             <a:p>
               <a:r>
-                <a:rPr kumimoji="1" lang="ja-JP" altLang="en-US" sz="1100" dirty="0" smtClean="0">
+                <a:rPr kumimoji="1" lang="ja-JP" altLang="en-US" sz="1100" dirty="0">
                   <a:solidFill>
                     <a:srgbClr val="00A0E7"/>
                   </a:solidFill>
+                  <a:latin typeface="+mn-ea"/>
                 </a:rPr>
                 <a:t>・</a:t>
               </a:r>
-              <a:endParaRPr kumimoji="1" lang="ja-JP" altLang="en-US" sz="1100" dirty="0">
-                <a:solidFill>
-                  <a:srgbClr val="00A0E7"/>
-                </a:solidFill>
-              </a:endParaRPr>
             </a:p>
           </p:txBody>
         </p:sp>
@@ -5974,7 +5972,7 @@
           <p:cNvPr id="230" name="四角形: 角を丸くする 12">
             <a:extLst>
               <a:ext uri="{FF2B5EF4-FFF2-40B4-BE49-F238E27FC236}">
-                <a16:creationId xmlns="" xmlns:a16="http://schemas.microsoft.com/office/drawing/2014/main" id="{AB91E3C5-0D38-44B5-8026-CB88520E356C}"/>
+                <a16:creationId xmlns:a16="http://schemas.microsoft.com/office/drawing/2014/main" id="{AB91E3C5-0D38-44B5-8026-CB88520E356C}"/>
               </a:ext>
             </a:extLst>
           </p:cNvPr>
@@ -6020,18 +6018,26 @@
           <a:p>
             <a:pPr algn="ctr"/>
             <a:r>
-              <a:rPr kumimoji="1" lang="ja-JP" altLang="en-US" sz="900" dirty="0"/>
+              <a:rPr kumimoji="1" lang="ja-JP" altLang="en-US" sz="900" dirty="0">
+                <a:latin typeface="+mn-ea"/>
+              </a:rPr>
               <a:t>サーバー</a:t>
             </a:r>
             <a:r>
-              <a:rPr lang="en-US" altLang="ja-JP" sz="900" dirty="0"/>
+              <a:rPr lang="en-US" altLang="ja-JP" sz="900" dirty="0">
+                <a:latin typeface="+mn-ea"/>
+              </a:rPr>
               <a:t> </a:t>
             </a:r>
             <a:r>
-              <a:rPr kumimoji="1" lang="ja-JP" altLang="en-US" sz="900" dirty="0"/>
+              <a:rPr kumimoji="1" lang="ja-JP" altLang="en-US" sz="900" dirty="0">
+                <a:latin typeface="+mn-ea"/>
+              </a:rPr>
               <a:t>プログラム</a:t>
             </a:r>
-            <a:endParaRPr kumimoji="1" lang="en-US" altLang="ja-JP" sz="900" dirty="0"/>
+            <a:endParaRPr kumimoji="1" lang="en-US" altLang="ja-JP" sz="900" dirty="0">
+              <a:latin typeface="+mn-ea"/>
+            </a:endParaRPr>
           </a:p>
         </p:txBody>
       </p:sp>
@@ -6093,7 +6099,7 @@
             <p:cNvPr id="240" name="テキスト ボックス 239">
               <a:extLst>
                 <a:ext uri="{FF2B5EF4-FFF2-40B4-BE49-F238E27FC236}">
-                  <a16:creationId xmlns="" xmlns:a16="http://schemas.microsoft.com/office/drawing/2014/main" id="{D55DB72E-8959-4FBE-BE9A-9E63B68FF12D}"/>
+                  <a16:creationId xmlns:a16="http://schemas.microsoft.com/office/drawing/2014/main" id="{D55DB72E-8959-4FBE-BE9A-9E63B68FF12D}"/>
                 </a:ext>
               </a:extLst>
             </p:cNvPr>
@@ -6117,34 +6123,14 @@
             <a:lstStyle/>
             <a:p>
               <a:r>
-                <a:rPr kumimoji="1" lang="ja-JP" altLang="en-US" sz="1100" dirty="0" smtClean="0">
-                  <a:solidFill>
-                    <a:srgbClr val="00A0E7"/>
-                  </a:solidFill>
-                </a:rPr>
-                <a:t>事前に登録済みの担当者アカウントでのみ、コンテンツ（画像</a:t>
-              </a:r>
-              <a:r>
                 <a:rPr kumimoji="1" lang="ja-JP" altLang="en-US" sz="1100" dirty="0">
                   <a:solidFill>
                     <a:srgbClr val="00A0E7"/>
                   </a:solidFill>
+                  <a:latin typeface="+mn-ea"/>
                 </a:rPr>
-                <a:t>および</a:t>
+                <a:t>事前に登録済みの担当者アカウントでのみ、コンテンツ（画像および動画）の管理操作を行うことができます。</a:t>
               </a:r>
-              <a:r>
-                <a:rPr kumimoji="1" lang="ja-JP" altLang="en-US" sz="1100" dirty="0" smtClean="0">
-                  <a:solidFill>
-                    <a:srgbClr val="00A0E7"/>
-                  </a:solidFill>
-                </a:rPr>
-                <a:t>動画）の管理操作を行うことができます。</a:t>
-              </a:r>
-              <a:endParaRPr kumimoji="1" lang="ja-JP" altLang="en-US" sz="1100" dirty="0">
-                <a:solidFill>
-                  <a:srgbClr val="00A0E7"/>
-                </a:solidFill>
-              </a:endParaRPr>
             </a:p>
           </p:txBody>
         </p:sp>
@@ -6171,18 +6157,14 @@
             <a:lstStyle/>
             <a:p>
               <a:r>
-                <a:rPr kumimoji="1" lang="ja-JP" altLang="en-US" sz="1100" dirty="0" smtClean="0">
+                <a:rPr kumimoji="1" lang="ja-JP" altLang="en-US" sz="1100" dirty="0">
                   <a:solidFill>
                     <a:srgbClr val="00A0E7"/>
                   </a:solidFill>
+                  <a:latin typeface="+mn-ea"/>
                 </a:rPr>
                 <a:t>・</a:t>
               </a:r>
-              <a:endParaRPr kumimoji="1" lang="ja-JP" altLang="en-US" sz="1100" dirty="0">
-                <a:solidFill>
-                  <a:srgbClr val="00A0E7"/>
-                </a:solidFill>
-              </a:endParaRPr>
             </a:p>
           </p:txBody>
         </p:sp>
@@ -6206,7 +6188,7 @@
             <p:cNvPr id="243" name="テキスト ボックス 242">
               <a:extLst>
                 <a:ext uri="{FF2B5EF4-FFF2-40B4-BE49-F238E27FC236}">
-                  <a16:creationId xmlns="" xmlns:a16="http://schemas.microsoft.com/office/drawing/2014/main" id="{D55DB72E-8959-4FBE-BE9A-9E63B68FF12D}"/>
+                  <a16:creationId xmlns:a16="http://schemas.microsoft.com/office/drawing/2014/main" id="{D55DB72E-8959-4FBE-BE9A-9E63B68FF12D}"/>
                 </a:ext>
               </a:extLst>
             </p:cNvPr>
@@ -6234,45 +6216,42 @@
                   <a:solidFill>
                     <a:srgbClr val="00A0E7"/>
                   </a:solidFill>
+                  <a:latin typeface="+mn-ea"/>
                 </a:rPr>
-                <a:t>AWS </a:t>
+                <a:t>AWS Cloud</a:t>
               </a:r>
               <a:r>
-                <a:rPr kumimoji="1" lang="en-US" altLang="ja-JP" sz="1100" dirty="0" smtClean="0">
+                <a:rPr kumimoji="1" lang="ja-JP" altLang="en-US" sz="1100" dirty="0">
                   <a:solidFill>
                     <a:srgbClr val="00A0E7"/>
                   </a:solidFill>
-                </a:rPr>
-                <a:t>Cloud</a:t>
-              </a:r>
-              <a:r>
-                <a:rPr kumimoji="1" lang="ja-JP" altLang="en-US" sz="1100" dirty="0" smtClean="0">
-                  <a:solidFill>
-                    <a:srgbClr val="00A0E7"/>
-                  </a:solidFill>
+                  <a:latin typeface="+mn-ea"/>
                 </a:rPr>
                 <a:t>上に構築した</a:t>
               </a:r>
               <a:r>
-                <a:rPr kumimoji="1" lang="en-US" altLang="ja-JP" sz="1100" dirty="0" smtClean="0">
+                <a:rPr kumimoji="1" lang="en-US" altLang="ja-JP" sz="1100" dirty="0">
                   <a:solidFill>
                     <a:srgbClr val="00A0E7"/>
                   </a:solidFill>
+                  <a:latin typeface="+mn-ea"/>
                 </a:rPr>
                 <a:t> </a:t>
               </a:r>
               <a:r>
-                <a:rPr kumimoji="1" lang="ja-JP" altLang="en-US" sz="1100" dirty="0" smtClean="0">
+                <a:rPr kumimoji="1" lang="ja-JP" altLang="en-US" sz="1100" dirty="0">
                   <a:solidFill>
                     <a:srgbClr val="00A0E7"/>
                   </a:solidFill>
+                  <a:latin typeface="+mn-ea"/>
                 </a:rPr>
                 <a:t>システムの実行環境を運用・保守する際は事前に登録済みのアカウントでのみ管理画面を操作することができます。</a:t>
               </a:r>
-              <a:endParaRPr kumimoji="1" lang="en-US" altLang="ja-JP" sz="1100" dirty="0" smtClean="0">
+              <a:endParaRPr kumimoji="1" lang="en-US" altLang="ja-JP" sz="1100" dirty="0">
                 <a:solidFill>
                   <a:srgbClr val="00A0E7"/>
                 </a:solidFill>
+                <a:latin typeface="+mn-ea"/>
               </a:endParaRPr>
             </a:p>
           </p:txBody>
@@ -6286,7 +6265,7 @@
           <p:spPr>
             <a:xfrm>
               <a:off x="2941013" y="1501085"/>
-              <a:ext cx="325730" cy="261610"/>
+              <a:ext cx="309092" cy="261610"/>
             </a:xfrm>
             <a:prstGeom prst="rect">
               <a:avLst/>
@@ -6300,18 +6279,14 @@
             <a:lstStyle/>
             <a:p>
               <a:r>
-                <a:rPr kumimoji="1" lang="ja-JP" altLang="en-US" sz="1100" dirty="0" smtClean="0">
+                <a:rPr kumimoji="1" lang="ja-JP" altLang="en-US" sz="1100" dirty="0">
                   <a:solidFill>
                     <a:srgbClr val="00A0E7"/>
                   </a:solidFill>
+                  <a:latin typeface="+mn-ea"/>
                 </a:rPr>
                 <a:t>・</a:t>
               </a:r>
-              <a:endParaRPr kumimoji="1" lang="ja-JP" altLang="en-US" sz="1100" dirty="0">
-                <a:solidFill>
-                  <a:srgbClr val="00A0E7"/>
-                </a:solidFill>
-              </a:endParaRPr>
             </a:p>
           </p:txBody>
         </p:sp>
@@ -6360,7 +6335,9 @@
           <a:lstStyle/>
           <a:p>
             <a:pPr algn="ctr"/>
-            <a:endParaRPr kumimoji="1" lang="ja-JP" altLang="en-US"/>
+            <a:endParaRPr kumimoji="1" lang="ja-JP" altLang="en-US">
+              <a:latin typeface="+mn-ea"/>
+            </a:endParaRPr>
           </a:p>
         </p:txBody>
       </p:sp>
@@ -6374,21 +6351,6 @@
   <p:clrMapOvr>
     <a:masterClrMapping/>
   </p:clrMapOvr>
-  <mc:AlternateContent xmlns:mc="http://schemas.openxmlformats.org/markup-compatibility/2006" xmlns:p14="http://schemas.microsoft.com/office/powerpoint/2010/main">
-    <mc:Choice Requires="p14">
-      <p:transition spd="slow" p14:dur="2000"/>
-    </mc:Choice>
-    <mc:Fallback xmlns="">
-      <p:transition xmlns:p14="http://schemas.microsoft.com/office/powerpoint/2010/main" spd="slow"/>
-    </mc:Fallback>
-  </mc:AlternateContent>
-  <p:timing>
-    <p:tnLst>
-      <p:par>
-        <p:cTn xmlns:p14="http://schemas.microsoft.com/office/powerpoint/2010/main" id="1" dur="indefinite" restart="never" nodeType="tmRoot"/>
-      </p:par>
-    </p:tnLst>
-  </p:timing>
 </p:sld>
 </file>
 
@@ -6629,7 +6591,7 @@
   <a:extraClrSchemeLst/>
   <a:extLst>
     <a:ext uri="{05A4C25C-085E-4340-85A3-A5531E510DB2}">
-      <thm15:themeFamily xmlns="" xmlns:thm15="http://schemas.microsoft.com/office/thememl/2012/main" name="プレゼンテーション1" id="{E6564793-4896-4E0C-8801-A9230543B816}" vid="{FD5737D2-78B0-4D47-8894-10CDEF9A2F60}"/>
+      <thm15:themeFamily xmlns:thm15="http://schemas.microsoft.com/office/thememl/2012/main" name="プレゼンテーション1" id="{E6564793-4896-4E0C-8801-A9230543B816}" vid="{FD5737D2-78B0-4D47-8894-10CDEF9A2F60}"/>
     </a:ext>
   </a:extLst>
 </a:theme>
@@ -6924,7 +6886,7 @@
   <a:extraClrSchemeLst/>
   <a:extLst>
     <a:ext uri="{05A4C25C-085E-4340-85A3-A5531E510DB2}">
-      <thm15:themeFamily xmlns="" xmlns:thm15="http://schemas.microsoft.com/office/thememl/2012/main" name="Office Theme" id="{62F939B6-93AF-4DB8-9C6B-D6C7DFDC589F}" vid="{4A3C46E8-61CC-4603-A589-7422A47A8E4A}"/>
+      <thm15:themeFamily xmlns:thm15="http://schemas.microsoft.com/office/thememl/2012/main" name="Office Theme" id="{62F939B6-93AF-4DB8-9C6B-D6C7DFDC589F}" vid="{4A3C46E8-61CC-4603-A589-7422A47A8E4A}"/>
     </a:ext>
   </a:extLst>
 </a:theme>
